--- a/37x37 Poster template p.pptx
+++ b/37x37 Poster template p.pptx
@@ -586,14 +586,14 @@
           </a:ln>
           <a:extLst>
             <a:ext uri="{909E8E84-426E-40dd-AFC4-6F175D3DCCD1}">
-              <a14:hiddenFill xmlns:a14="http://schemas.microsoft.com/office/drawing/2010/main" xmlns="">
+              <a14:hiddenFill xmlns="" xmlns:a14="http://schemas.microsoft.com/office/drawing/2010/main">
                 <a:solidFill>
                   <a:srgbClr val="FFFFFF"/>
                 </a:solidFill>
               </a14:hiddenFill>
             </a:ext>
             <a:ext uri="{FAA26D3D-D897-4be2-8F04-BA451C77F1D7}">
-              <ma14:placeholderFlag xmlns:ma14="http://schemas.microsoft.com/office/mac/drawingml/2011/main" xmlns="" val="1"/>
+              <ma14:placeholderFlag xmlns="" xmlns:ma14="http://schemas.microsoft.com/office/mac/drawingml/2011/main" val="1"/>
             </a:ext>
           </a:extLst>
         </p:spPr>
@@ -3256,7 +3256,7 @@
           </a:ln>
           <a:extLst>
             <a:ext uri="{91240B29-F687-4f45-9708-019B960494DF}">
-              <a14:hiddenLine xmlns:a14="http://schemas.microsoft.com/office/drawing/2010/main" xmlns="" w="9525">
+              <a14:hiddenLine xmlns="" xmlns:a14="http://schemas.microsoft.com/office/drawing/2010/main" w="9525">
                 <a:solidFill>
                   <a:srgbClr val="000000"/>
                 </a:solidFill>
@@ -3298,14 +3298,14 @@
           </a:ln>
           <a:extLst>
             <a:ext uri="{909E8E84-426E-40dd-AFC4-6F175D3DCCD1}">
-              <a14:hiddenFill xmlns:a14="http://schemas.microsoft.com/office/drawing/2010/main" xmlns="">
+              <a14:hiddenFill xmlns="" xmlns:a14="http://schemas.microsoft.com/office/drawing/2010/main">
                 <a:solidFill>
                   <a:srgbClr val="FFFFFF"/>
                 </a:solidFill>
               </a14:hiddenFill>
             </a:ext>
             <a:ext uri="{91240B29-F687-4f45-9708-019B960494DF}">
-              <a14:hiddenLine xmlns:a14="http://schemas.microsoft.com/office/drawing/2010/main" xmlns="" w="9525">
+              <a14:hiddenLine xmlns="" xmlns:a14="http://schemas.microsoft.com/office/drawing/2010/main" w="9525">
                 <a:solidFill>
                   <a:srgbClr val="000000"/>
                 </a:solidFill>
@@ -3333,25 +3333,28 @@
                 <a:latin typeface="Helvetica" charset="0"/>
                 <a:cs typeface="Helvetica" charset="0"/>
               </a:rPr>
-              <a:t>1. Reference, </a:t>
-            </a:r>
-            <a:r>
-              <a:rPr lang="en-US" sz="2335" i="1" dirty="0">
+              <a:t>1. </a:t>
+            </a:r>
+            <a:r>
+              <a:rPr lang="en-US" sz="2335" dirty="0" err="1">
                 <a:solidFill>
                   <a:schemeClr val="tx1"/>
                 </a:solidFill>
                 <a:latin typeface="Helvetica" charset="0"/>
                 <a:cs typeface="Helvetica" charset="0"/>
               </a:rPr>
-              <a:t>Name of reference</a:t>
-            </a:r>
-            <a:endParaRPr lang="en-US" sz="2335" dirty="0">
-              <a:solidFill>
-                <a:schemeClr val="tx1"/>
-              </a:solidFill>
-              <a:latin typeface="Helvetica" charset="0"/>
-              <a:cs typeface="Helvetica" charset="0"/>
-            </a:endParaRPr>
+              <a:t>I.Surdej</a:t>
+            </a:r>
+            <a:r>
+              <a:rPr lang="en-US" sz="2335" dirty="0">
+                <a:solidFill>
+                  <a:schemeClr val="tx1"/>
+                </a:solidFill>
+                <a:latin typeface="Helvetica" charset="0"/>
+                <a:cs typeface="Helvetica" charset="0"/>
+              </a:rPr>
+              <a:t> et al 2010</a:t>
+            </a:r>
           </a:p>
           <a:p>
             <a:pPr algn="l" defTabSz="4471726">
@@ -3367,25 +3370,28 @@
                 <a:latin typeface="Helvetica" charset="0"/>
                 <a:cs typeface="Helvetica" charset="0"/>
               </a:rPr>
-              <a:t>2. Reference, </a:t>
-            </a:r>
-            <a:r>
-              <a:rPr lang="en-US" sz="2335" i="1" dirty="0">
+              <a:t>2. </a:t>
+            </a:r>
+            <a:r>
+              <a:rPr lang="en-US" sz="2335" dirty="0" err="1">
                 <a:solidFill>
                   <a:schemeClr val="tx1"/>
                 </a:solidFill>
                 <a:latin typeface="Helvetica" charset="0"/>
                 <a:cs typeface="Helvetica" charset="0"/>
               </a:rPr>
-              <a:t>Name of reference</a:t>
-            </a:r>
-            <a:endParaRPr lang="en-US" sz="2335" dirty="0">
-              <a:solidFill>
-                <a:schemeClr val="tx1"/>
-              </a:solidFill>
-              <a:latin typeface="Helvetica" charset="0"/>
-              <a:cs typeface="Helvetica" charset="0"/>
-            </a:endParaRPr>
+              <a:t>L.Noethe</a:t>
+            </a:r>
+            <a:r>
+              <a:rPr lang="en-US" sz="2335" dirty="0">
+                <a:solidFill>
+                  <a:schemeClr val="tx1"/>
+                </a:solidFill>
+                <a:latin typeface="Helvetica" charset="0"/>
+                <a:cs typeface="Helvetica" charset="0"/>
+              </a:rPr>
+              <a:t> et al 2007</a:t>
+            </a:r>
           </a:p>
           <a:p>
             <a:pPr algn="l" defTabSz="4471726">
@@ -3445,14 +3451,14 @@
           </a:ln>
           <a:extLst>
             <a:ext uri="{909E8E84-426E-40dd-AFC4-6F175D3DCCD1}">
-              <a14:hiddenFill xmlns:a14="http://schemas.microsoft.com/office/drawing/2010/main" xmlns="">
+              <a14:hiddenFill xmlns="" xmlns:a14="http://schemas.microsoft.com/office/drawing/2010/main">
                 <a:solidFill>
                   <a:srgbClr val="FFFFFF"/>
                 </a:solidFill>
               </a14:hiddenFill>
             </a:ext>
             <a:ext uri="{91240B29-F687-4f45-9708-019B960494DF}">
-              <a14:hiddenLine xmlns:a14="http://schemas.microsoft.com/office/drawing/2010/main" xmlns="" w="9525">
+              <a14:hiddenLine xmlns="" xmlns:a14="http://schemas.microsoft.com/office/drawing/2010/main" w="9525">
                 <a:solidFill>
                   <a:srgbClr val="000000"/>
                 </a:solidFill>
@@ -3629,14 +3635,14 @@
           </a:ln>
           <a:extLst>
             <a:ext uri="{909E8E84-426E-40dd-AFC4-6F175D3DCCD1}">
-              <a14:hiddenFill xmlns:a14="http://schemas.microsoft.com/office/drawing/2010/main" xmlns="">
+              <a14:hiddenFill xmlns="" xmlns:a14="http://schemas.microsoft.com/office/drawing/2010/main">
                 <a:solidFill>
                   <a:srgbClr val="FFFFFF"/>
                 </a:solidFill>
               </a14:hiddenFill>
             </a:ext>
             <a:ext uri="{91240B29-F687-4f45-9708-019B960494DF}">
-              <a14:hiddenLine xmlns:a14="http://schemas.microsoft.com/office/drawing/2010/main" xmlns="" w="9525">
+              <a14:hiddenLine xmlns="" xmlns:a14="http://schemas.microsoft.com/office/drawing/2010/main" w="9525">
                 <a:solidFill>
                   <a:srgbClr val="000000"/>
                 </a:solidFill>
@@ -3672,7 +3678,7 @@
           </a:ln>
           <a:extLst>
             <a:ext uri="{91240B29-F687-4f45-9708-019B960494DF}">
-              <a14:hiddenLine xmlns:a14="http://schemas.microsoft.com/office/drawing/2010/main" xmlns="" w="9525">
+              <a14:hiddenLine xmlns="" xmlns:a14="http://schemas.microsoft.com/office/drawing/2010/main" w="9525">
                 <a:solidFill>
                   <a:srgbClr val="000000"/>
                 </a:solidFill>
@@ -3717,14 +3723,14 @@
           </a:ln>
           <a:extLst>
             <a:ext uri="{909E8E84-426E-40dd-AFC4-6F175D3DCCD1}">
-              <a14:hiddenFill xmlns:a14="http://schemas.microsoft.com/office/drawing/2010/main" xmlns="">
+              <a14:hiddenFill xmlns="" xmlns:a14="http://schemas.microsoft.com/office/drawing/2010/main">
                 <a:solidFill>
                   <a:srgbClr val="FFFFFF"/>
                 </a:solidFill>
               </a14:hiddenFill>
             </a:ext>
             <a:ext uri="{91240B29-F687-4f45-9708-019B960494DF}">
-              <a14:hiddenLine xmlns:a14="http://schemas.microsoft.com/office/drawing/2010/main" xmlns="" w="9525">
+              <a14:hiddenLine xmlns="" xmlns:a14="http://schemas.microsoft.com/office/drawing/2010/main" w="9525">
                 <a:solidFill>
                   <a:srgbClr val="000000"/>
                 </a:solidFill>
@@ -3816,14 +3822,14 @@
           </a:ln>
           <a:extLst>
             <a:ext uri="{909E8E84-426E-40dd-AFC4-6F175D3DCCD1}">
-              <a14:hiddenFill xmlns:a14="http://schemas.microsoft.com/office/drawing/2010/main" xmlns="">
+              <a14:hiddenFill xmlns="" xmlns:a14="http://schemas.microsoft.com/office/drawing/2010/main">
                 <a:solidFill>
                   <a:srgbClr val="FFFFFF"/>
                 </a:solidFill>
               </a14:hiddenFill>
             </a:ext>
             <a:ext uri="{91240B29-F687-4f45-9708-019B960494DF}">
-              <a14:hiddenLine xmlns:a14="http://schemas.microsoft.com/office/drawing/2010/main" xmlns="" w="9525">
+              <a14:hiddenLine xmlns="" xmlns:a14="http://schemas.microsoft.com/office/drawing/2010/main" w="9525">
                 <a:solidFill>
                   <a:srgbClr val="000000"/>
                 </a:solidFill>
@@ -4031,14 +4037,14 @@
             </a:ln>
             <a:extLst>
               <a:ext uri="{909E8E84-426E-40dd-AFC4-6F175D3DCCD1}">
-                <a14:hiddenFill xmlns:a14="http://schemas.microsoft.com/office/drawing/2010/main" xmlns="">
+                <a14:hiddenFill xmlns="" xmlns:a14="http://schemas.microsoft.com/office/drawing/2010/main">
                   <a:solidFill>
                     <a:srgbClr val="FFFFFF"/>
                   </a:solidFill>
                 </a14:hiddenFill>
               </a:ext>
               <a:ext uri="{91240B29-F687-4f45-9708-019B960494DF}">
-                <a14:hiddenLine xmlns:a14="http://schemas.microsoft.com/office/drawing/2010/main" xmlns="" w="9525">
+                <a14:hiddenLine xmlns="" xmlns:a14="http://schemas.microsoft.com/office/drawing/2010/main" w="9525">
                   <a:solidFill>
                     <a:srgbClr val="000000"/>
                   </a:solidFill>
@@ -4204,7 +4210,7 @@
             </a:ln>
             <a:extLst>
               <a:ext uri="{91240B29-F687-4f45-9708-019B960494DF}">
-                <a14:hiddenLine xmlns:a14="http://schemas.microsoft.com/office/drawing/2010/main" xmlns="" w="9525">
+                <a14:hiddenLine xmlns="" xmlns:a14="http://schemas.microsoft.com/office/drawing/2010/main" w="9525">
                   <a:solidFill>
                     <a:srgbClr val="000000"/>
                   </a:solidFill>
@@ -4267,14 +4273,14 @@
             </a:ln>
             <a:extLst>
               <a:ext uri="{909E8E84-426E-40dd-AFC4-6F175D3DCCD1}">
-                <a14:hiddenFill xmlns:a14="http://schemas.microsoft.com/office/drawing/2010/main" xmlns="">
+                <a14:hiddenFill xmlns="" xmlns:a14="http://schemas.microsoft.com/office/drawing/2010/main">
                   <a:solidFill>
                     <a:srgbClr val="FFFFFF"/>
                   </a:solidFill>
                 </a14:hiddenFill>
               </a:ext>
               <a:ext uri="{91240B29-F687-4f45-9708-019B960494DF}">
-                <a14:hiddenLine xmlns:a14="http://schemas.microsoft.com/office/drawing/2010/main" xmlns="" w="9525">
+                <a14:hiddenLine xmlns="" xmlns:a14="http://schemas.microsoft.com/office/drawing/2010/main" w="9525">
                   <a:solidFill>
                     <a:srgbClr val="000000"/>
                   </a:solidFill>
@@ -4440,7 +4446,7 @@
             </a:ln>
             <a:extLst>
               <a:ext uri="{91240B29-F687-4f45-9708-019B960494DF}">
-                <a14:hiddenLine xmlns:a14="http://schemas.microsoft.com/office/drawing/2010/main" xmlns="" w="9525">
+                <a14:hiddenLine xmlns="" xmlns:a14="http://schemas.microsoft.com/office/drawing/2010/main" w="9525">
                   <a:solidFill>
                     <a:srgbClr val="000000"/>
                   </a:solidFill>
@@ -4503,14 +4509,14 @@
             </a:ln>
             <a:extLst>
               <a:ext uri="{909E8E84-426E-40dd-AFC4-6F175D3DCCD1}">
-                <a14:hiddenFill xmlns:a14="http://schemas.microsoft.com/office/drawing/2010/main" xmlns="">
+                <a14:hiddenFill xmlns="" xmlns:a14="http://schemas.microsoft.com/office/drawing/2010/main">
                   <a:solidFill>
                     <a:srgbClr val="FFFFFF"/>
                   </a:solidFill>
                 </a14:hiddenFill>
               </a:ext>
               <a:ext uri="{91240B29-F687-4f45-9708-019B960494DF}">
-                <a14:hiddenLine xmlns:a14="http://schemas.microsoft.com/office/drawing/2010/main" xmlns="" w="9525">
+                <a14:hiddenLine xmlns="" xmlns:a14="http://schemas.microsoft.com/office/drawing/2010/main" w="9525">
                   <a:solidFill>
                     <a:srgbClr val="000000"/>
                   </a:solidFill>
@@ -4676,7 +4682,7 @@
             </a:ln>
             <a:extLst>
               <a:ext uri="{91240B29-F687-4f45-9708-019B960494DF}">
-                <a14:hiddenLine xmlns:a14="http://schemas.microsoft.com/office/drawing/2010/main" xmlns="" w="9525">
+                <a14:hiddenLine xmlns="" xmlns:a14="http://schemas.microsoft.com/office/drawing/2010/main" w="9525">
                   <a:solidFill>
                     <a:srgbClr val="000000"/>
                   </a:solidFill>
@@ -4739,14 +4745,14 @@
             </a:ln>
             <a:extLst>
               <a:ext uri="{909E8E84-426E-40dd-AFC4-6F175D3DCCD1}">
-                <a14:hiddenFill xmlns:a14="http://schemas.microsoft.com/office/drawing/2010/main" xmlns="">
+                <a14:hiddenFill xmlns="" xmlns:a14="http://schemas.microsoft.com/office/drawing/2010/main">
                   <a:solidFill>
                     <a:srgbClr val="FFFFFF"/>
                   </a:solidFill>
                 </a14:hiddenFill>
               </a:ext>
               <a:ext uri="{91240B29-F687-4f45-9708-019B960494DF}">
-                <a14:hiddenLine xmlns:a14="http://schemas.microsoft.com/office/drawing/2010/main" xmlns="" w="9525">
+                <a14:hiddenLine xmlns="" xmlns:a14="http://schemas.microsoft.com/office/drawing/2010/main" w="9525">
                   <a:solidFill>
                     <a:srgbClr val="000000"/>
                   </a:solidFill>
@@ -4912,7 +4918,7 @@
             </a:ln>
             <a:extLst>
               <a:ext uri="{91240B29-F687-4f45-9708-019B960494DF}">
-                <a14:hiddenLine xmlns:a14="http://schemas.microsoft.com/office/drawing/2010/main" xmlns="" w="9525">
+                <a14:hiddenLine xmlns="" xmlns:a14="http://schemas.microsoft.com/office/drawing/2010/main" w="9525">
                   <a:solidFill>
                     <a:srgbClr val="000000"/>
                   </a:solidFill>
@@ -4957,7 +4963,7 @@
           </a:ln>
           <a:extLst>
             <a:ext uri="{91240B29-F687-4f45-9708-019B960494DF}">
-              <a14:hiddenLine xmlns:a14="http://schemas.microsoft.com/office/drawing/2010/main" xmlns="" w="9525">
+              <a14:hiddenLine xmlns="" xmlns:a14="http://schemas.microsoft.com/office/drawing/2010/main" w="9525">
                 <a:solidFill>
                   <a:srgbClr val="000000"/>
                 </a:solidFill>
@@ -5002,14 +5008,14 @@
           </a:ln>
           <a:extLst>
             <a:ext uri="{909E8E84-426E-40dd-AFC4-6F175D3DCCD1}">
-              <a14:hiddenFill xmlns:a14="http://schemas.microsoft.com/office/drawing/2010/main" xmlns="">
+              <a14:hiddenFill xmlns="" xmlns:a14="http://schemas.microsoft.com/office/drawing/2010/main">
                 <a:solidFill>
                   <a:srgbClr val="FFFFFF"/>
                 </a:solidFill>
               </a14:hiddenFill>
             </a:ext>
             <a:ext uri="{91240B29-F687-4f45-9708-019B960494DF}">
-              <a14:hiddenLine xmlns:a14="http://schemas.microsoft.com/office/drawing/2010/main" xmlns="" w="9525">
+              <a14:hiddenLine xmlns="" xmlns:a14="http://schemas.microsoft.com/office/drawing/2010/main" w="9525">
                 <a:solidFill>
                   <a:srgbClr val="000000"/>
                 </a:solidFill>
@@ -5143,7 +5149,7 @@
                 <a:latin typeface="Helvetica" charset="0"/>
                 <a:cs typeface="Helvetica" charset="0"/>
               </a:rPr>
-              <a:t>Studying phasing sensor for 30 meter class telescope:</a:t>
+              <a:t>Studying phasing sensor signal for 30 meter class telescope:</a:t>
             </a:r>
           </a:p>
           <a:p>
@@ -5240,7 +5246,7 @@
                 <a:latin typeface="Helvetica" charset="0"/>
                 <a:cs typeface="Helvetica" charset="0"/>
               </a:rPr>
-              <a:t>Phase contrast</a:t>
+              <a:t>Phase contrast [1]:</a:t>
             </a:r>
           </a:p>
           <a:p>
@@ -5278,14 +5284,14 @@
           </a:ln>
           <a:extLst>
             <a:ext uri="{909E8E84-426E-40dd-AFC4-6F175D3DCCD1}">
-              <a14:hiddenFill xmlns:a14="http://schemas.microsoft.com/office/drawing/2010/main" xmlns="">
+              <a14:hiddenFill xmlns="" xmlns:a14="http://schemas.microsoft.com/office/drawing/2010/main">
                 <a:solidFill>
                   <a:srgbClr val="FFFFFF"/>
                 </a:solidFill>
               </a14:hiddenFill>
             </a:ext>
             <a:ext uri="{91240B29-F687-4f45-9708-019B960494DF}">
-              <a14:hiddenLine xmlns:a14="http://schemas.microsoft.com/office/drawing/2010/main" xmlns="" w="9525">
+              <a14:hiddenLine xmlns="" xmlns:a14="http://schemas.microsoft.com/office/drawing/2010/main" w="9525">
                 <a:solidFill>
                   <a:srgbClr val="000000"/>
                 </a:solidFill>
@@ -5447,14 +5453,14 @@
           </a:ln>
           <a:extLst>
             <a:ext uri="{909E8E84-426E-40dd-AFC4-6F175D3DCCD1}">
-              <a14:hiddenFill xmlns:a14="http://schemas.microsoft.com/office/drawing/2010/main" xmlns="">
+              <a14:hiddenFill xmlns="" xmlns:a14="http://schemas.microsoft.com/office/drawing/2010/main">
                 <a:solidFill>
                   <a:srgbClr val="FFFFFF"/>
                 </a:solidFill>
               </a14:hiddenFill>
             </a:ext>
             <a:ext uri="{91240B29-F687-4f45-9708-019B960494DF}">
-              <a14:hiddenLine xmlns:a14="http://schemas.microsoft.com/office/drawing/2010/main" xmlns="" w="9525">
+              <a14:hiddenLine xmlns="" xmlns:a14="http://schemas.microsoft.com/office/drawing/2010/main" w="9525">
                 <a:solidFill>
                   <a:srgbClr val="000000"/>
                 </a:solidFill>
@@ -5598,765 +5604,6 @@
               </a:lnSpc>
             </a:pPr>
             <a:endParaRPr lang="en-US" sz="3114" dirty="0"/>
-          </a:p>
-        </p:txBody>
-      </p:sp>
-      <p:sp>
-        <p:nvSpPr>
-          <p:cNvPr id="89" name="TextBox 72"/>
-          <p:cNvSpPr txBox="1">
-            <a:spLocks noChangeArrowheads="1"/>
-          </p:cNvSpPr>
-          <p:nvPr/>
-        </p:nvSpPr>
-        <p:spPr bwMode="auto">
-          <a:xfrm>
-            <a:off x="22909427" y="21142411"/>
-            <a:ext cx="9341708" cy="2967736"/>
-          </a:xfrm>
-          <a:prstGeom prst="rect">
-            <a:avLst/>
-          </a:prstGeom>
-          <a:noFill/>
-          <a:ln>
-            <a:noFill/>
-          </a:ln>
-          <a:extLst>
-            <a:ext uri="{909E8E84-426E-40dd-AFC4-6F175D3DCCD1}">
-              <a14:hiddenFill xmlns:a14="http://schemas.microsoft.com/office/drawing/2010/main" xmlns="">
-                <a:solidFill>
-                  <a:srgbClr val="FFFFFF"/>
-                </a:solidFill>
-              </a14:hiddenFill>
-            </a:ext>
-            <a:ext uri="{91240B29-F687-4f45-9708-019B960494DF}">
-              <a14:hiddenLine xmlns:a14="http://schemas.microsoft.com/office/drawing/2010/main" xmlns="" w="9525">
-                <a:solidFill>
-                  <a:srgbClr val="000000"/>
-                </a:solidFill>
-                <a:miter lim="800000"/>
-                <a:headEnd/>
-                <a:tailEnd/>
-              </a14:hiddenLine>
-            </a:ext>
-          </a:extLst>
-        </p:spPr>
-        <p:txBody>
-          <a:bodyPr wrap="square">
-            <a:spAutoFit/>
-          </a:bodyPr>
-          <a:lstStyle>
-            <a:lvl1pPr eaLnBrk="0" hangingPunct="0">
-              <a:defRPr sz="22200">
-                <a:solidFill>
-                  <a:schemeClr val="tx2"/>
-                </a:solidFill>
-                <a:latin typeface="Arial" charset="0"/>
-                <a:ea typeface="ＭＳ Ｐゴシック" charset="0"/>
-                <a:cs typeface="ＭＳ Ｐゴシック" charset="0"/>
-              </a:defRPr>
-            </a:lvl1pPr>
-            <a:lvl2pPr marL="742950" indent="-285750" eaLnBrk="0" hangingPunct="0">
-              <a:defRPr sz="22200">
-                <a:solidFill>
-                  <a:schemeClr val="tx2"/>
-                </a:solidFill>
-                <a:latin typeface="Arial" charset="0"/>
-                <a:ea typeface="ＭＳ Ｐゴシック" charset="0"/>
-              </a:defRPr>
-            </a:lvl2pPr>
-            <a:lvl3pPr marL="1143000" indent="-228600" eaLnBrk="0" hangingPunct="0">
-              <a:defRPr sz="22200">
-                <a:solidFill>
-                  <a:schemeClr val="tx2"/>
-                </a:solidFill>
-                <a:latin typeface="Arial" charset="0"/>
-                <a:ea typeface="ＭＳ Ｐゴシック" charset="0"/>
-              </a:defRPr>
-            </a:lvl3pPr>
-            <a:lvl4pPr marL="1600200" indent="-228600" eaLnBrk="0" hangingPunct="0">
-              <a:defRPr sz="22200">
-                <a:solidFill>
-                  <a:schemeClr val="tx2"/>
-                </a:solidFill>
-                <a:latin typeface="Arial" charset="0"/>
-                <a:ea typeface="ＭＳ Ｐゴシック" charset="0"/>
-              </a:defRPr>
-            </a:lvl4pPr>
-            <a:lvl5pPr marL="2057400" indent="-228600" eaLnBrk="0" hangingPunct="0">
-              <a:defRPr sz="22200">
-                <a:solidFill>
-                  <a:schemeClr val="tx2"/>
-                </a:solidFill>
-                <a:latin typeface="Arial" charset="0"/>
-                <a:ea typeface="ＭＳ Ｐゴシック" charset="0"/>
-              </a:defRPr>
-            </a:lvl5pPr>
-            <a:lvl6pPr marL="2514600" indent="-228600" algn="ctr" eaLnBrk="0" fontAlgn="base" hangingPunct="0">
-              <a:spcBef>
-                <a:spcPct val="0"/>
-              </a:spcBef>
-              <a:spcAft>
-                <a:spcPct val="0"/>
-              </a:spcAft>
-              <a:defRPr sz="22200">
-                <a:solidFill>
-                  <a:schemeClr val="tx2"/>
-                </a:solidFill>
-                <a:latin typeface="Arial" charset="0"/>
-                <a:ea typeface="ＭＳ Ｐゴシック" charset="0"/>
-              </a:defRPr>
-            </a:lvl6pPr>
-            <a:lvl7pPr marL="2971800" indent="-228600" algn="ctr" eaLnBrk="0" fontAlgn="base" hangingPunct="0">
-              <a:spcBef>
-                <a:spcPct val="0"/>
-              </a:spcBef>
-              <a:spcAft>
-                <a:spcPct val="0"/>
-              </a:spcAft>
-              <a:defRPr sz="22200">
-                <a:solidFill>
-                  <a:schemeClr val="tx2"/>
-                </a:solidFill>
-                <a:latin typeface="Arial" charset="0"/>
-                <a:ea typeface="ＭＳ Ｐゴシック" charset="0"/>
-              </a:defRPr>
-            </a:lvl7pPr>
-            <a:lvl8pPr marL="3429000" indent="-228600" algn="ctr" eaLnBrk="0" fontAlgn="base" hangingPunct="0">
-              <a:spcBef>
-                <a:spcPct val="0"/>
-              </a:spcBef>
-              <a:spcAft>
-                <a:spcPct val="0"/>
-              </a:spcAft>
-              <a:defRPr sz="22200">
-                <a:solidFill>
-                  <a:schemeClr val="tx2"/>
-                </a:solidFill>
-                <a:latin typeface="Arial" charset="0"/>
-                <a:ea typeface="ＭＳ Ｐゴシック" charset="0"/>
-              </a:defRPr>
-            </a:lvl8pPr>
-            <a:lvl9pPr marL="3886200" indent="-228600" algn="ctr" eaLnBrk="0" fontAlgn="base" hangingPunct="0">
-              <a:spcBef>
-                <a:spcPct val="0"/>
-              </a:spcBef>
-              <a:spcAft>
-                <a:spcPct val="0"/>
-              </a:spcAft>
-              <a:defRPr sz="22200">
-                <a:solidFill>
-                  <a:schemeClr val="tx2"/>
-                </a:solidFill>
-                <a:latin typeface="Arial" charset="0"/>
-                <a:ea typeface="ＭＳ Ｐゴシック" charset="0"/>
-              </a:defRPr>
-            </a:lvl9pPr>
-          </a:lstStyle>
-          <a:p>
-            <a:pPr algn="l" eaLnBrk="1" hangingPunct="1">
-              <a:lnSpc>
-                <a:spcPct val="150000"/>
-              </a:lnSpc>
-            </a:pPr>
-            <a:r>
-              <a:rPr lang="en-US" sz="3114" dirty="0" err="1">
-                <a:latin typeface="Helvetica" charset="0"/>
-                <a:cs typeface="Helvetica" charset="0"/>
-              </a:rPr>
-              <a:t>Ut</a:t>
-            </a:r>
-            <a:r>
-              <a:rPr lang="en-US" sz="3114" dirty="0">
-                <a:latin typeface="Helvetica" charset="0"/>
-                <a:cs typeface="Helvetica" charset="0"/>
-              </a:rPr>
-              <a:t> </a:t>
-            </a:r>
-            <a:r>
-              <a:rPr lang="en-US" sz="3114" dirty="0" err="1">
-                <a:latin typeface="Helvetica" charset="0"/>
-                <a:cs typeface="Helvetica" charset="0"/>
-              </a:rPr>
-              <a:t>enim</a:t>
-            </a:r>
-            <a:r>
-              <a:rPr lang="en-US" sz="3114" dirty="0">
-                <a:latin typeface="Helvetica" charset="0"/>
-                <a:cs typeface="Helvetica" charset="0"/>
-              </a:rPr>
-              <a:t> ad minim </a:t>
-            </a:r>
-            <a:r>
-              <a:rPr lang="en-US" sz="3114" dirty="0" err="1">
-                <a:latin typeface="Helvetica" charset="0"/>
-                <a:cs typeface="Helvetica" charset="0"/>
-              </a:rPr>
-              <a:t>veniam</a:t>
-            </a:r>
-            <a:r>
-              <a:rPr lang="en-US" sz="3114" dirty="0">
-                <a:latin typeface="Helvetica" charset="0"/>
-                <a:cs typeface="Helvetica" charset="0"/>
-              </a:rPr>
-              <a:t>, </a:t>
-            </a:r>
-            <a:r>
-              <a:rPr lang="en-US" sz="3114" dirty="0" err="1">
-                <a:latin typeface="Helvetica" charset="0"/>
-                <a:cs typeface="Helvetica" charset="0"/>
-              </a:rPr>
-              <a:t>quis</a:t>
-            </a:r>
-            <a:r>
-              <a:rPr lang="en-US" sz="3114" dirty="0">
-                <a:latin typeface="Helvetica" charset="0"/>
-                <a:cs typeface="Helvetica" charset="0"/>
-              </a:rPr>
-              <a:t> </a:t>
-            </a:r>
-            <a:r>
-              <a:rPr lang="en-US" sz="3114" dirty="0" err="1">
-                <a:latin typeface="Helvetica" charset="0"/>
-                <a:cs typeface="Helvetica" charset="0"/>
-              </a:rPr>
-              <a:t>nostrud</a:t>
-            </a:r>
-            <a:r>
-              <a:rPr lang="en-US" sz="3114" dirty="0">
-                <a:latin typeface="Helvetica" charset="0"/>
-                <a:cs typeface="Helvetica" charset="0"/>
-              </a:rPr>
-              <a:t> exercitation </a:t>
-            </a:r>
-            <a:r>
-              <a:rPr lang="en-US" sz="3114" dirty="0" err="1">
-                <a:latin typeface="Helvetica" charset="0"/>
-                <a:cs typeface="Helvetica" charset="0"/>
-              </a:rPr>
-              <a:t>ullamco</a:t>
-            </a:r>
-            <a:r>
-              <a:rPr lang="en-US" sz="3114" dirty="0">
-                <a:latin typeface="Helvetica" charset="0"/>
-                <a:cs typeface="Helvetica" charset="0"/>
-              </a:rPr>
-              <a:t> </a:t>
-            </a:r>
-            <a:r>
-              <a:rPr lang="en-US" sz="3114" dirty="0" err="1">
-                <a:latin typeface="Helvetica" charset="0"/>
-                <a:cs typeface="Helvetica" charset="0"/>
-              </a:rPr>
-              <a:t>laboris</a:t>
-            </a:r>
-            <a:r>
-              <a:rPr lang="en-US" sz="3114" dirty="0">
-                <a:latin typeface="Helvetica" charset="0"/>
-                <a:cs typeface="Helvetica" charset="0"/>
-              </a:rPr>
-              <a:t> nisi </a:t>
-            </a:r>
-            <a:r>
-              <a:rPr lang="en-US" sz="3114" dirty="0" err="1">
-                <a:latin typeface="Helvetica" charset="0"/>
-                <a:cs typeface="Helvetica" charset="0"/>
-              </a:rPr>
-              <a:t>ut</a:t>
-            </a:r>
-            <a:r>
-              <a:rPr lang="en-US" sz="3114" dirty="0">
-                <a:latin typeface="Helvetica" charset="0"/>
-                <a:cs typeface="Helvetica" charset="0"/>
-              </a:rPr>
-              <a:t> </a:t>
-            </a:r>
-            <a:r>
-              <a:rPr lang="en-US" sz="3114" dirty="0" err="1">
-                <a:latin typeface="Helvetica" charset="0"/>
-                <a:cs typeface="Helvetica" charset="0"/>
-              </a:rPr>
-              <a:t>aliquip</a:t>
-            </a:r>
-            <a:r>
-              <a:rPr lang="en-US" sz="3114" dirty="0">
-                <a:latin typeface="Helvetica" charset="0"/>
-                <a:cs typeface="Helvetica" charset="0"/>
-              </a:rPr>
-              <a:t> ex </a:t>
-            </a:r>
-            <a:r>
-              <a:rPr lang="en-US" sz="3114" dirty="0" err="1">
-                <a:latin typeface="Helvetica" charset="0"/>
-                <a:cs typeface="Helvetica" charset="0"/>
-              </a:rPr>
-              <a:t>ea</a:t>
-            </a:r>
-            <a:r>
-              <a:rPr lang="en-US" sz="3114" dirty="0">
-                <a:latin typeface="Helvetica" charset="0"/>
-                <a:cs typeface="Helvetica" charset="0"/>
-              </a:rPr>
-              <a:t> </a:t>
-            </a:r>
-            <a:r>
-              <a:rPr lang="en-US" sz="3114" dirty="0" err="1">
-                <a:latin typeface="Helvetica" charset="0"/>
-                <a:cs typeface="Helvetica" charset="0"/>
-              </a:rPr>
-              <a:t>commodo</a:t>
-            </a:r>
-            <a:r>
-              <a:rPr lang="en-US" sz="3114" dirty="0">
-                <a:latin typeface="Helvetica" charset="0"/>
-                <a:cs typeface="Helvetica" charset="0"/>
-              </a:rPr>
-              <a:t> </a:t>
-            </a:r>
-            <a:r>
-              <a:rPr lang="en-US" sz="3114" dirty="0" err="1">
-                <a:latin typeface="Helvetica" charset="0"/>
-                <a:cs typeface="Helvetica" charset="0"/>
-              </a:rPr>
-              <a:t>consequat</a:t>
-            </a:r>
-            <a:r>
-              <a:rPr lang="en-US" sz="3114" dirty="0">
-                <a:latin typeface="Helvetica" charset="0"/>
-                <a:cs typeface="Helvetica" charset="0"/>
-              </a:rPr>
-              <a:t>. </a:t>
-            </a:r>
-            <a:r>
-              <a:rPr lang="en-US" sz="3114" dirty="0" err="1">
-                <a:latin typeface="Helvetica" charset="0"/>
-                <a:cs typeface="Helvetica" charset="0"/>
-              </a:rPr>
-              <a:t>Duis</a:t>
-            </a:r>
-            <a:r>
-              <a:rPr lang="en-US" sz="3114" dirty="0">
-                <a:latin typeface="Helvetica" charset="0"/>
-                <a:cs typeface="Helvetica" charset="0"/>
-              </a:rPr>
-              <a:t> </a:t>
-            </a:r>
-            <a:r>
-              <a:rPr lang="en-US" sz="3114" dirty="0" err="1">
-                <a:latin typeface="Helvetica" charset="0"/>
-                <a:cs typeface="Helvetica" charset="0"/>
-              </a:rPr>
-              <a:t>aute</a:t>
-            </a:r>
-            <a:r>
-              <a:rPr lang="en-US" sz="3114" dirty="0">
-                <a:latin typeface="Helvetica" charset="0"/>
-                <a:cs typeface="Helvetica" charset="0"/>
-              </a:rPr>
-              <a:t> </a:t>
-            </a:r>
-            <a:r>
-              <a:rPr lang="en-US" sz="3114" dirty="0" err="1">
-                <a:latin typeface="Helvetica" charset="0"/>
-                <a:cs typeface="Helvetica" charset="0"/>
-              </a:rPr>
-              <a:t>irure</a:t>
-            </a:r>
-            <a:r>
-              <a:rPr lang="en-US" sz="3114" dirty="0">
-                <a:latin typeface="Helvetica" charset="0"/>
-                <a:cs typeface="Helvetica" charset="0"/>
-              </a:rPr>
-              <a:t> dolor in </a:t>
-            </a:r>
-            <a:r>
-              <a:rPr lang="en-US" sz="3114" dirty="0" err="1">
-                <a:latin typeface="Helvetica" charset="0"/>
-                <a:cs typeface="Helvetica" charset="0"/>
-              </a:rPr>
-              <a:t>reprehenderit</a:t>
-            </a:r>
-            <a:r>
-              <a:rPr lang="en-US" sz="3114" dirty="0">
-                <a:latin typeface="Helvetica" charset="0"/>
-                <a:cs typeface="Helvetica" charset="0"/>
-              </a:rPr>
-              <a:t> in </a:t>
-            </a:r>
-            <a:r>
-              <a:rPr lang="en-US" sz="3114" dirty="0" err="1">
-                <a:latin typeface="Helvetica" charset="0"/>
-                <a:cs typeface="Helvetica" charset="0"/>
-              </a:rPr>
-              <a:t>voluptate</a:t>
-            </a:r>
-            <a:r>
-              <a:rPr lang="en-US" sz="3114" dirty="0">
-                <a:latin typeface="Helvetica" charset="0"/>
-                <a:cs typeface="Helvetica" charset="0"/>
-              </a:rPr>
-              <a:t> </a:t>
-            </a:r>
-            <a:r>
-              <a:rPr lang="en-US" sz="3114" dirty="0" err="1">
-                <a:latin typeface="Helvetica" charset="0"/>
-                <a:cs typeface="Helvetica" charset="0"/>
-              </a:rPr>
-              <a:t>velit</a:t>
-            </a:r>
-            <a:r>
-              <a:rPr lang="en-US" sz="3114" dirty="0">
-                <a:latin typeface="Helvetica" charset="0"/>
-                <a:cs typeface="Helvetica" charset="0"/>
-              </a:rPr>
-              <a:t> </a:t>
-            </a:r>
-            <a:r>
-              <a:rPr lang="en-US" sz="3114" dirty="0" err="1">
-                <a:latin typeface="Helvetica" charset="0"/>
-                <a:cs typeface="Helvetica" charset="0"/>
-              </a:rPr>
-              <a:t>esse</a:t>
-            </a:r>
-            <a:r>
-              <a:rPr lang="en-US" sz="3114" dirty="0">
-                <a:latin typeface="Helvetica" charset="0"/>
-                <a:cs typeface="Helvetica" charset="0"/>
-              </a:rPr>
-              <a:t> </a:t>
-            </a:r>
-            <a:r>
-              <a:rPr lang="en-US" sz="3114" dirty="0" err="1">
-                <a:latin typeface="Helvetica" charset="0"/>
-                <a:cs typeface="Helvetica" charset="0"/>
-              </a:rPr>
-              <a:t>cillum</a:t>
-            </a:r>
-            <a:r>
-              <a:rPr lang="en-US" sz="3114" dirty="0">
-                <a:latin typeface="Helvetica" charset="0"/>
-                <a:cs typeface="Helvetica" charset="0"/>
-              </a:rPr>
-              <a:t> </a:t>
-            </a:r>
-            <a:r>
-              <a:rPr lang="en-US" sz="3114" dirty="0" err="1">
-                <a:latin typeface="Helvetica" charset="0"/>
-                <a:cs typeface="Helvetica" charset="0"/>
-              </a:rPr>
-              <a:t>dolore</a:t>
-            </a:r>
-            <a:r>
-              <a:rPr lang="en-US" sz="3114" dirty="0">
-                <a:latin typeface="Helvetica" charset="0"/>
-                <a:cs typeface="Helvetica" charset="0"/>
-              </a:rPr>
-              <a:t> </a:t>
-            </a:r>
-            <a:r>
-              <a:rPr lang="en-US" sz="3114" dirty="0" err="1">
-                <a:latin typeface="Helvetica" charset="0"/>
-                <a:cs typeface="Helvetica" charset="0"/>
-              </a:rPr>
-              <a:t>eu</a:t>
-            </a:r>
-            <a:r>
-              <a:rPr lang="en-US" sz="3114" dirty="0"/>
-              <a:t>. </a:t>
-            </a:r>
-          </a:p>
-        </p:txBody>
-      </p:sp>
-      <p:sp>
-        <p:nvSpPr>
-          <p:cNvPr id="90" name="TextBox 73"/>
-          <p:cNvSpPr txBox="1">
-            <a:spLocks noChangeArrowheads="1"/>
-          </p:cNvSpPr>
-          <p:nvPr/>
-        </p:nvSpPr>
-        <p:spPr bwMode="auto">
-          <a:xfrm>
-            <a:off x="22909427" y="18845600"/>
-            <a:ext cx="11121081" cy="2248885"/>
-          </a:xfrm>
-          <a:prstGeom prst="rect">
-            <a:avLst/>
-          </a:prstGeom>
-          <a:noFill/>
-          <a:ln>
-            <a:noFill/>
-          </a:ln>
-          <a:extLst>
-            <a:ext uri="{909E8E84-426E-40dd-AFC4-6F175D3DCCD1}">
-              <a14:hiddenFill xmlns:a14="http://schemas.microsoft.com/office/drawing/2010/main" xmlns="">
-                <a:solidFill>
-                  <a:srgbClr val="FFFFFF"/>
-                </a:solidFill>
-              </a14:hiddenFill>
-            </a:ext>
-            <a:ext uri="{91240B29-F687-4f45-9708-019B960494DF}">
-              <a14:hiddenLine xmlns:a14="http://schemas.microsoft.com/office/drawing/2010/main" xmlns="" w="9525">
-                <a:solidFill>
-                  <a:srgbClr val="000000"/>
-                </a:solidFill>
-                <a:miter lim="800000"/>
-                <a:headEnd/>
-                <a:tailEnd/>
-              </a14:hiddenLine>
-            </a:ext>
-          </a:extLst>
-        </p:spPr>
-        <p:txBody>
-          <a:bodyPr>
-            <a:spAutoFit/>
-          </a:bodyPr>
-          <a:lstStyle>
-            <a:lvl1pPr marL="914400" indent="-914400" eaLnBrk="0" hangingPunct="0">
-              <a:defRPr sz="22200">
-                <a:solidFill>
-                  <a:schemeClr val="tx2"/>
-                </a:solidFill>
-                <a:latin typeface="Arial" charset="0"/>
-                <a:ea typeface="ＭＳ Ｐゴシック" charset="0"/>
-                <a:cs typeface="ＭＳ Ｐゴシック" charset="0"/>
-              </a:defRPr>
-            </a:lvl1pPr>
-            <a:lvl2pPr marL="742950" indent="-285750" eaLnBrk="0" hangingPunct="0">
-              <a:defRPr sz="22200">
-                <a:solidFill>
-                  <a:schemeClr val="tx2"/>
-                </a:solidFill>
-                <a:latin typeface="Arial" charset="0"/>
-                <a:ea typeface="ＭＳ Ｐゴシック" charset="0"/>
-              </a:defRPr>
-            </a:lvl2pPr>
-            <a:lvl3pPr marL="1143000" indent="-228600" eaLnBrk="0" hangingPunct="0">
-              <a:defRPr sz="22200">
-                <a:solidFill>
-                  <a:schemeClr val="tx2"/>
-                </a:solidFill>
-                <a:latin typeface="Arial" charset="0"/>
-                <a:ea typeface="ＭＳ Ｐゴシック" charset="0"/>
-              </a:defRPr>
-            </a:lvl3pPr>
-            <a:lvl4pPr marL="1600200" indent="-228600" eaLnBrk="0" hangingPunct="0">
-              <a:defRPr sz="22200">
-                <a:solidFill>
-                  <a:schemeClr val="tx2"/>
-                </a:solidFill>
-                <a:latin typeface="Arial" charset="0"/>
-                <a:ea typeface="ＭＳ Ｐゴシック" charset="0"/>
-              </a:defRPr>
-            </a:lvl4pPr>
-            <a:lvl5pPr marL="2057400" indent="-228600" eaLnBrk="0" hangingPunct="0">
-              <a:defRPr sz="22200">
-                <a:solidFill>
-                  <a:schemeClr val="tx2"/>
-                </a:solidFill>
-                <a:latin typeface="Arial" charset="0"/>
-                <a:ea typeface="ＭＳ Ｐゴシック" charset="0"/>
-              </a:defRPr>
-            </a:lvl5pPr>
-            <a:lvl6pPr marL="2514600" indent="-228600" algn="ctr" eaLnBrk="0" fontAlgn="base" hangingPunct="0">
-              <a:spcBef>
-                <a:spcPct val="0"/>
-              </a:spcBef>
-              <a:spcAft>
-                <a:spcPct val="0"/>
-              </a:spcAft>
-              <a:defRPr sz="22200">
-                <a:solidFill>
-                  <a:schemeClr val="tx2"/>
-                </a:solidFill>
-                <a:latin typeface="Arial" charset="0"/>
-                <a:ea typeface="ＭＳ Ｐゴシック" charset="0"/>
-              </a:defRPr>
-            </a:lvl6pPr>
-            <a:lvl7pPr marL="2971800" indent="-228600" algn="ctr" eaLnBrk="0" fontAlgn="base" hangingPunct="0">
-              <a:spcBef>
-                <a:spcPct val="0"/>
-              </a:spcBef>
-              <a:spcAft>
-                <a:spcPct val="0"/>
-              </a:spcAft>
-              <a:defRPr sz="22200">
-                <a:solidFill>
-                  <a:schemeClr val="tx2"/>
-                </a:solidFill>
-                <a:latin typeface="Arial" charset="0"/>
-                <a:ea typeface="ＭＳ Ｐゴシック" charset="0"/>
-              </a:defRPr>
-            </a:lvl7pPr>
-            <a:lvl8pPr marL="3429000" indent="-228600" algn="ctr" eaLnBrk="0" fontAlgn="base" hangingPunct="0">
-              <a:spcBef>
-                <a:spcPct val="0"/>
-              </a:spcBef>
-              <a:spcAft>
-                <a:spcPct val="0"/>
-              </a:spcAft>
-              <a:defRPr sz="22200">
-                <a:solidFill>
-                  <a:schemeClr val="tx2"/>
-                </a:solidFill>
-                <a:latin typeface="Arial" charset="0"/>
-                <a:ea typeface="ＭＳ Ｐゴシック" charset="0"/>
-              </a:defRPr>
-            </a:lvl8pPr>
-            <a:lvl9pPr marL="3886200" indent="-228600" algn="ctr" eaLnBrk="0" fontAlgn="base" hangingPunct="0">
-              <a:spcBef>
-                <a:spcPct val="0"/>
-              </a:spcBef>
-              <a:spcAft>
-                <a:spcPct val="0"/>
-              </a:spcAft>
-              <a:defRPr sz="22200">
-                <a:solidFill>
-                  <a:schemeClr val="tx2"/>
-                </a:solidFill>
-                <a:latin typeface="Arial" charset="0"/>
-                <a:ea typeface="ＭＳ Ｐゴシック" charset="0"/>
-              </a:defRPr>
-            </a:lvl9pPr>
-          </a:lstStyle>
-          <a:p>
-            <a:pPr algn="l" eaLnBrk="1" hangingPunct="1">
-              <a:lnSpc>
-                <a:spcPct val="150000"/>
-              </a:lnSpc>
-              <a:buFont typeface="Arial" charset="0"/>
-              <a:buAutoNum type="arabicPeriod"/>
-            </a:pPr>
-            <a:r>
-              <a:rPr lang="en-US" sz="3114" b="1" dirty="0" err="1">
-                <a:latin typeface="Helvetica" charset="0"/>
-                <a:cs typeface="Helvetica" charset="0"/>
-              </a:rPr>
-              <a:t>Aute</a:t>
-            </a:r>
-            <a:r>
-              <a:rPr lang="en-US" sz="3114" b="1" dirty="0">
-                <a:latin typeface="Helvetica" charset="0"/>
-                <a:cs typeface="Helvetica" charset="0"/>
-              </a:rPr>
-              <a:t> dolor in </a:t>
-            </a:r>
-            <a:r>
-              <a:rPr lang="en-US" sz="3114" b="1" dirty="0" err="1">
-                <a:latin typeface="Helvetica" charset="0"/>
-                <a:cs typeface="Helvetica" charset="0"/>
-              </a:rPr>
-              <a:t>reprehenderit</a:t>
-            </a:r>
-            <a:r>
-              <a:rPr lang="en-US" sz="3114" b="1" dirty="0">
-                <a:latin typeface="Helvetica" charset="0"/>
-                <a:cs typeface="Helvetica" charset="0"/>
-              </a:rPr>
-              <a:t>.</a:t>
-            </a:r>
-          </a:p>
-          <a:p>
-            <a:pPr algn="l" eaLnBrk="1" hangingPunct="1">
-              <a:lnSpc>
-                <a:spcPct val="150000"/>
-              </a:lnSpc>
-              <a:buFont typeface="Arial" charset="0"/>
-              <a:buAutoNum type="arabicPeriod"/>
-            </a:pPr>
-            <a:r>
-              <a:rPr lang="en-US" sz="3114" b="1" dirty="0" err="1">
-                <a:latin typeface="Helvetica" charset="0"/>
-                <a:cs typeface="Helvetica" charset="0"/>
-              </a:rPr>
-              <a:t>Aute</a:t>
-            </a:r>
-            <a:r>
-              <a:rPr lang="en-US" sz="3114" b="1" dirty="0">
-                <a:latin typeface="Helvetica" charset="0"/>
-                <a:cs typeface="Helvetica" charset="0"/>
-              </a:rPr>
-              <a:t> </a:t>
-            </a:r>
-            <a:r>
-              <a:rPr lang="en-US" sz="3114" b="1" dirty="0" err="1">
-                <a:latin typeface="Helvetica" charset="0"/>
-                <a:cs typeface="Helvetica" charset="0"/>
-              </a:rPr>
-              <a:t>irure</a:t>
-            </a:r>
-            <a:r>
-              <a:rPr lang="en-US" sz="3114" b="1" dirty="0">
-                <a:latin typeface="Helvetica" charset="0"/>
-                <a:cs typeface="Helvetica" charset="0"/>
-              </a:rPr>
-              <a:t> in </a:t>
-            </a:r>
-            <a:r>
-              <a:rPr lang="en-US" sz="3114" b="1" dirty="0" err="1">
-                <a:latin typeface="Helvetica" charset="0"/>
-                <a:cs typeface="Helvetica" charset="0"/>
-              </a:rPr>
-              <a:t>reprehenderit</a:t>
-            </a:r>
-            <a:r>
-              <a:rPr lang="en-US" sz="3114" b="1" dirty="0">
-                <a:latin typeface="Helvetica" charset="0"/>
-                <a:cs typeface="Helvetica" charset="0"/>
-              </a:rPr>
-              <a:t>.</a:t>
-            </a:r>
-          </a:p>
-          <a:p>
-            <a:pPr algn="l" eaLnBrk="1" hangingPunct="1">
-              <a:lnSpc>
-                <a:spcPct val="150000"/>
-              </a:lnSpc>
-              <a:buFont typeface="Arial" charset="0"/>
-              <a:buAutoNum type="arabicPeriod"/>
-            </a:pPr>
-            <a:r>
-              <a:rPr lang="en-US" sz="3114" b="1" dirty="0" err="1">
-                <a:latin typeface="Helvetica" charset="0"/>
-                <a:cs typeface="Helvetica" charset="0"/>
-              </a:rPr>
-              <a:t>Aute</a:t>
-            </a:r>
-            <a:r>
-              <a:rPr lang="en-US" sz="3114" b="1" dirty="0">
-                <a:latin typeface="Helvetica" charset="0"/>
-                <a:cs typeface="Helvetica" charset="0"/>
-              </a:rPr>
-              <a:t> </a:t>
-            </a:r>
-            <a:r>
-              <a:rPr lang="en-US" sz="3114" b="1" dirty="0" err="1">
-                <a:latin typeface="Helvetica" charset="0"/>
-                <a:cs typeface="Helvetica" charset="0"/>
-              </a:rPr>
-              <a:t>irure</a:t>
-            </a:r>
-            <a:r>
-              <a:rPr lang="en-US" sz="3114" b="1" dirty="0">
-                <a:latin typeface="Helvetica" charset="0"/>
-                <a:cs typeface="Helvetica" charset="0"/>
-              </a:rPr>
-              <a:t> in </a:t>
-            </a:r>
-            <a:r>
-              <a:rPr lang="en-US" sz="3114" b="1" dirty="0" err="1">
-                <a:latin typeface="Helvetica" charset="0"/>
-                <a:cs typeface="Helvetica" charset="0"/>
-              </a:rPr>
-              <a:t>reprehenderit</a:t>
-            </a:r>
-            <a:r>
-              <a:rPr lang="en-US" sz="3114" b="1" dirty="0">
-                <a:latin typeface="Helvetica" charset="0"/>
-                <a:cs typeface="Helvetica" charset="0"/>
-              </a:rPr>
-              <a:t>.</a:t>
-            </a:r>
           </a:p>
         </p:txBody>
       </p:sp>
@@ -6395,14 +5642,14 @@
           </a:ln>
           <a:extLst>
             <a:ext uri="{909E8E84-426E-40dd-AFC4-6F175D3DCCD1}">
-              <a14:hiddenFill xmlns:a14="http://schemas.microsoft.com/office/drawing/2010/main" xmlns="">
+              <a14:hiddenFill xmlns="" xmlns:a14="http://schemas.microsoft.com/office/drawing/2010/main">
                 <a:solidFill>
                   <a:srgbClr val="FFFFFF"/>
                 </a:solidFill>
               </a14:hiddenFill>
             </a:ext>
             <a:ext uri="{91240B29-F687-4f45-9708-019B960494DF}">
-              <a14:hiddenLine xmlns:a14="http://schemas.microsoft.com/office/drawing/2010/main" xmlns="" w="9525">
+              <a14:hiddenLine xmlns="" xmlns:a14="http://schemas.microsoft.com/office/drawing/2010/main" w="9525">
                 <a:solidFill>
                   <a:srgbClr val="000000"/>
                 </a:solidFill>
@@ -6441,7 +5688,7 @@
           </a:ln>
           <a:extLst>
             <a:ext uri="{909E8E84-426E-40dd-AFC4-6F175D3DCCD1}">
-              <a14:hiddenFill xmlns:a14="http://schemas.microsoft.com/office/drawing/2010/main" xmlns="">
+              <a14:hiddenFill xmlns="" xmlns:a14="http://schemas.microsoft.com/office/drawing/2010/main">
                 <a:noFill/>
               </a14:hiddenFill>
             </a:ext>
@@ -6475,7 +5722,7 @@
           </a:ln>
           <a:extLst>
             <a:ext uri="{909E8E84-426E-40dd-AFC4-6F175D3DCCD1}">
-              <a14:hiddenFill xmlns:a14="http://schemas.microsoft.com/office/drawing/2010/main" xmlns="">
+              <a14:hiddenFill xmlns="" xmlns:a14="http://schemas.microsoft.com/office/drawing/2010/main">
                 <a:noFill/>
               </a14:hiddenFill>
             </a:ext>
@@ -6509,7 +5756,7 @@
           </a:ln>
           <a:extLst>
             <a:ext uri="{909E8E84-426E-40dd-AFC4-6F175D3DCCD1}">
-              <a14:hiddenFill xmlns:a14="http://schemas.microsoft.com/office/drawing/2010/main" xmlns="">
+              <a14:hiddenFill xmlns="" xmlns:a14="http://schemas.microsoft.com/office/drawing/2010/main">
                 <a:noFill/>
               </a14:hiddenFill>
             </a:ext>
@@ -6538,14 +5785,14 @@
           </a:ln>
           <a:extLst>
             <a:ext uri="{909E8E84-426E-40dd-AFC4-6F175D3DCCD1}">
-              <a14:hiddenFill xmlns:a14="http://schemas.microsoft.com/office/drawing/2010/main" xmlns="">
+              <a14:hiddenFill xmlns="" xmlns:a14="http://schemas.microsoft.com/office/drawing/2010/main">
                 <a:solidFill>
                   <a:srgbClr val="FFFFFF"/>
                 </a:solidFill>
               </a14:hiddenFill>
             </a:ext>
             <a:ext uri="{91240B29-F687-4f45-9708-019B960494DF}">
-              <a14:hiddenLine xmlns:a14="http://schemas.microsoft.com/office/drawing/2010/main" xmlns="" w="9525">
+              <a14:hiddenLine xmlns="" xmlns:a14="http://schemas.microsoft.com/office/drawing/2010/main" w="9525">
                 <a:solidFill>
                   <a:srgbClr val="000000"/>
                 </a:solidFill>
@@ -6673,8 +5920,8 @@
         </p:nvCxnSpPr>
         <p:spPr bwMode="auto">
           <a:xfrm>
-            <a:off x="10375961" y="32918400"/>
-            <a:ext cx="9341708" cy="0"/>
+            <a:off x="27580281" y="19525221"/>
+            <a:ext cx="0" cy="6763779"/>
           </a:xfrm>
           <a:prstGeom prst="line">
             <a:avLst/>
@@ -6690,355 +5937,13 @@
           </a:ln>
           <a:extLst>
             <a:ext uri="{909E8E84-426E-40dd-AFC4-6F175D3DCCD1}">
-              <a14:hiddenFill xmlns:a14="http://schemas.microsoft.com/office/drawing/2010/main" xmlns="">
+              <a14:hiddenFill xmlns="" xmlns:a14="http://schemas.microsoft.com/office/drawing/2010/main">
                 <a:noFill/>
               </a14:hiddenFill>
             </a:ext>
           </a:extLst>
         </p:spPr>
       </p:cxnSp>
-      <p:sp>
-        <p:nvSpPr>
-          <p:cNvPr id="120" name="Rectangle 68"/>
-          <p:cNvSpPr>
-            <a:spLocks noChangeArrowheads="1"/>
-          </p:cNvSpPr>
-          <p:nvPr/>
-        </p:nvSpPr>
-        <p:spPr bwMode="auto">
-          <a:xfrm>
-            <a:off x="22909427" y="24701157"/>
-            <a:ext cx="9119286" cy="2174789"/>
-          </a:xfrm>
-          <a:prstGeom prst="rect">
-            <a:avLst/>
-          </a:prstGeom>
-          <a:solidFill>
-            <a:srgbClr val="B4D5E5"/>
-          </a:solidFill>
-          <a:ln>
-            <a:noFill/>
-          </a:ln>
-          <a:extLst>
-            <a:ext uri="{91240B29-F687-4f45-9708-019B960494DF}">
-              <a14:hiddenLine xmlns:a14="http://schemas.microsoft.com/office/drawing/2010/main" xmlns="" w="9525">
-                <a:solidFill>
-                  <a:srgbClr val="000000"/>
-                </a:solidFill>
-                <a:round/>
-                <a:headEnd/>
-                <a:tailEnd/>
-              </a14:hiddenLine>
-            </a:ext>
-          </a:extLst>
-        </p:spPr>
-        <p:txBody>
-          <a:bodyPr/>
-          <a:lstStyle/>
-          <a:p>
-            <a:pPr defTabSz="2134689"/>
-            <a:endParaRPr lang="en-US" sz="10314"/>
-          </a:p>
-        </p:txBody>
-      </p:sp>
-      <p:sp>
-        <p:nvSpPr>
-          <p:cNvPr id="121" name="TextBox 69"/>
-          <p:cNvSpPr txBox="1">
-            <a:spLocks noChangeArrowheads="1"/>
-          </p:cNvSpPr>
-          <p:nvPr/>
-        </p:nvSpPr>
-        <p:spPr bwMode="auto">
-          <a:xfrm>
-            <a:off x="23354270" y="24943659"/>
-            <a:ext cx="8452022" cy="1530034"/>
-          </a:xfrm>
-          <a:prstGeom prst="rect">
-            <a:avLst/>
-          </a:prstGeom>
-          <a:noFill/>
-          <a:ln>
-            <a:noFill/>
-          </a:ln>
-          <a:extLst>
-            <a:ext uri="{909E8E84-426E-40dd-AFC4-6F175D3DCCD1}">
-              <a14:hiddenFill xmlns:a14="http://schemas.microsoft.com/office/drawing/2010/main" xmlns="">
-                <a:solidFill>
-                  <a:srgbClr val="FFFFFF"/>
-                </a:solidFill>
-              </a14:hiddenFill>
-            </a:ext>
-            <a:ext uri="{91240B29-F687-4f45-9708-019B960494DF}">
-              <a14:hiddenLine xmlns:a14="http://schemas.microsoft.com/office/drawing/2010/main" xmlns="" w="9525">
-                <a:solidFill>
-                  <a:srgbClr val="000000"/>
-                </a:solidFill>
-                <a:miter lim="800000"/>
-                <a:headEnd/>
-                <a:tailEnd/>
-              </a14:hiddenLine>
-            </a:ext>
-          </a:extLst>
-        </p:spPr>
-        <p:txBody>
-          <a:bodyPr wrap="square">
-            <a:spAutoFit/>
-          </a:bodyPr>
-          <a:lstStyle>
-            <a:lvl1pPr eaLnBrk="0" hangingPunct="0">
-              <a:defRPr sz="22200">
-                <a:solidFill>
-                  <a:schemeClr val="tx2"/>
-                </a:solidFill>
-                <a:latin typeface="Arial" charset="0"/>
-                <a:ea typeface="ＭＳ Ｐゴシック" charset="0"/>
-                <a:cs typeface="ＭＳ Ｐゴシック" charset="0"/>
-              </a:defRPr>
-            </a:lvl1pPr>
-            <a:lvl2pPr marL="742950" indent="-285750" eaLnBrk="0" hangingPunct="0">
-              <a:defRPr sz="22200">
-                <a:solidFill>
-                  <a:schemeClr val="tx2"/>
-                </a:solidFill>
-                <a:latin typeface="Arial" charset="0"/>
-                <a:ea typeface="ＭＳ Ｐゴシック" charset="0"/>
-              </a:defRPr>
-            </a:lvl2pPr>
-            <a:lvl3pPr marL="1143000" indent="-228600" eaLnBrk="0" hangingPunct="0">
-              <a:defRPr sz="22200">
-                <a:solidFill>
-                  <a:schemeClr val="tx2"/>
-                </a:solidFill>
-                <a:latin typeface="Arial" charset="0"/>
-                <a:ea typeface="ＭＳ Ｐゴシック" charset="0"/>
-              </a:defRPr>
-            </a:lvl3pPr>
-            <a:lvl4pPr marL="1600200" indent="-228600" eaLnBrk="0" hangingPunct="0">
-              <a:defRPr sz="22200">
-                <a:solidFill>
-                  <a:schemeClr val="tx2"/>
-                </a:solidFill>
-                <a:latin typeface="Arial" charset="0"/>
-                <a:ea typeface="ＭＳ Ｐゴシック" charset="0"/>
-              </a:defRPr>
-            </a:lvl4pPr>
-            <a:lvl5pPr marL="2057400" indent="-228600" eaLnBrk="0" hangingPunct="0">
-              <a:defRPr sz="22200">
-                <a:solidFill>
-                  <a:schemeClr val="tx2"/>
-                </a:solidFill>
-                <a:latin typeface="Arial" charset="0"/>
-                <a:ea typeface="ＭＳ Ｐゴシック" charset="0"/>
-              </a:defRPr>
-            </a:lvl5pPr>
-            <a:lvl6pPr marL="2514600" indent="-228600" algn="ctr" eaLnBrk="0" fontAlgn="base" hangingPunct="0">
-              <a:spcBef>
-                <a:spcPct val="0"/>
-              </a:spcBef>
-              <a:spcAft>
-                <a:spcPct val="0"/>
-              </a:spcAft>
-              <a:defRPr sz="22200">
-                <a:solidFill>
-                  <a:schemeClr val="tx2"/>
-                </a:solidFill>
-                <a:latin typeface="Arial" charset="0"/>
-                <a:ea typeface="ＭＳ Ｐゴシック" charset="0"/>
-              </a:defRPr>
-            </a:lvl6pPr>
-            <a:lvl7pPr marL="2971800" indent="-228600" algn="ctr" eaLnBrk="0" fontAlgn="base" hangingPunct="0">
-              <a:spcBef>
-                <a:spcPct val="0"/>
-              </a:spcBef>
-              <a:spcAft>
-                <a:spcPct val="0"/>
-              </a:spcAft>
-              <a:defRPr sz="22200">
-                <a:solidFill>
-                  <a:schemeClr val="tx2"/>
-                </a:solidFill>
-                <a:latin typeface="Arial" charset="0"/>
-                <a:ea typeface="ＭＳ Ｐゴシック" charset="0"/>
-              </a:defRPr>
-            </a:lvl7pPr>
-            <a:lvl8pPr marL="3429000" indent="-228600" algn="ctr" eaLnBrk="0" fontAlgn="base" hangingPunct="0">
-              <a:spcBef>
-                <a:spcPct val="0"/>
-              </a:spcBef>
-              <a:spcAft>
-                <a:spcPct val="0"/>
-              </a:spcAft>
-              <a:defRPr sz="22200">
-                <a:solidFill>
-                  <a:schemeClr val="tx2"/>
-                </a:solidFill>
-                <a:latin typeface="Arial" charset="0"/>
-                <a:ea typeface="ＭＳ Ｐゴシック" charset="0"/>
-              </a:defRPr>
-            </a:lvl8pPr>
-            <a:lvl9pPr marL="3886200" indent="-228600" algn="ctr" eaLnBrk="0" fontAlgn="base" hangingPunct="0">
-              <a:spcBef>
-                <a:spcPct val="0"/>
-              </a:spcBef>
-              <a:spcAft>
-                <a:spcPct val="0"/>
-              </a:spcAft>
-              <a:defRPr sz="22200">
-                <a:solidFill>
-                  <a:schemeClr val="tx2"/>
-                </a:solidFill>
-                <a:latin typeface="Arial" charset="0"/>
-                <a:ea typeface="ＭＳ Ｐゴシック" charset="0"/>
-              </a:defRPr>
-            </a:lvl9pPr>
-          </a:lstStyle>
-          <a:p>
-            <a:pPr algn="l" eaLnBrk="1" hangingPunct="1">
-              <a:lnSpc>
-                <a:spcPct val="150000"/>
-              </a:lnSpc>
-            </a:pPr>
-            <a:r>
-              <a:rPr lang="en-US" sz="3114" b="1" dirty="0" err="1">
-                <a:latin typeface="Helvetica" charset="0"/>
-                <a:cs typeface="Helvetica" charset="0"/>
-              </a:rPr>
-              <a:t>Duis</a:t>
-            </a:r>
-            <a:r>
-              <a:rPr lang="en-US" sz="3114" b="1" dirty="0">
-                <a:latin typeface="Helvetica" charset="0"/>
-                <a:cs typeface="Helvetica" charset="0"/>
-              </a:rPr>
-              <a:t> </a:t>
-            </a:r>
-            <a:r>
-              <a:rPr lang="en-US" sz="3114" b="1" dirty="0" err="1">
-                <a:latin typeface="Helvetica" charset="0"/>
-                <a:cs typeface="Helvetica" charset="0"/>
-              </a:rPr>
-              <a:t>aute</a:t>
-            </a:r>
-            <a:r>
-              <a:rPr lang="en-US" sz="3114" b="1" dirty="0">
-                <a:latin typeface="Helvetica" charset="0"/>
-                <a:cs typeface="Helvetica" charset="0"/>
-              </a:rPr>
-              <a:t> </a:t>
-            </a:r>
-            <a:r>
-              <a:rPr lang="en-US" sz="3114" b="1" dirty="0" err="1">
-                <a:latin typeface="Helvetica" charset="0"/>
-                <a:cs typeface="Helvetica" charset="0"/>
-              </a:rPr>
-              <a:t>irure</a:t>
-            </a:r>
-            <a:r>
-              <a:rPr lang="en-US" sz="3114" b="1" dirty="0">
-                <a:latin typeface="Helvetica" charset="0"/>
-                <a:cs typeface="Helvetica" charset="0"/>
-              </a:rPr>
-              <a:t> dolor in </a:t>
-            </a:r>
-            <a:r>
-              <a:rPr lang="en-US" sz="3114" b="1" dirty="0" err="1">
-                <a:latin typeface="Helvetica" charset="0"/>
-                <a:cs typeface="Helvetica" charset="0"/>
-              </a:rPr>
-              <a:t>reprehenderit</a:t>
-            </a:r>
-            <a:r>
-              <a:rPr lang="en-US" sz="3114" b="1" dirty="0">
-                <a:latin typeface="Helvetica" charset="0"/>
-                <a:cs typeface="Helvetica" charset="0"/>
-              </a:rPr>
-              <a:t> in </a:t>
-            </a:r>
-            <a:r>
-              <a:rPr lang="en-US" sz="3114" b="1" dirty="0" err="1">
-                <a:latin typeface="Helvetica" charset="0"/>
-                <a:cs typeface="Helvetica" charset="0"/>
-              </a:rPr>
-              <a:t>voluptate</a:t>
-            </a:r>
-            <a:r>
-              <a:rPr lang="en-US" sz="3114" b="1" dirty="0">
-                <a:latin typeface="Helvetica" charset="0"/>
-                <a:cs typeface="Helvetica" charset="0"/>
-              </a:rPr>
-              <a:t> </a:t>
-            </a:r>
-            <a:r>
-              <a:rPr lang="en-US" sz="3114" b="1" dirty="0" err="1">
-                <a:latin typeface="Helvetica" charset="0"/>
-                <a:cs typeface="Helvetica" charset="0"/>
-              </a:rPr>
-              <a:t>velit</a:t>
-            </a:r>
-            <a:r>
-              <a:rPr lang="en-US" sz="3114" b="1" dirty="0">
-                <a:latin typeface="Helvetica" charset="0"/>
-                <a:cs typeface="Helvetica" charset="0"/>
-              </a:rPr>
-              <a:t> </a:t>
-            </a:r>
-            <a:r>
-              <a:rPr lang="en-US" sz="3114" b="1" dirty="0" err="1">
-                <a:latin typeface="Helvetica" charset="0"/>
-                <a:cs typeface="Helvetica" charset="0"/>
-              </a:rPr>
-              <a:t>esse</a:t>
-            </a:r>
-            <a:r>
-              <a:rPr lang="en-US" sz="3114" b="1" dirty="0">
-                <a:latin typeface="Helvetica" charset="0"/>
-                <a:cs typeface="Helvetica" charset="0"/>
-              </a:rPr>
-              <a:t> </a:t>
-            </a:r>
-            <a:r>
-              <a:rPr lang="en-US" sz="3114" b="1" dirty="0" err="1">
-                <a:latin typeface="Helvetica" charset="0"/>
-                <a:cs typeface="Helvetica" charset="0"/>
-              </a:rPr>
-              <a:t>cillum</a:t>
-            </a:r>
-            <a:r>
-              <a:rPr lang="en-US" sz="3114" b="1" dirty="0">
-                <a:latin typeface="Helvetica" charset="0"/>
-                <a:cs typeface="Helvetica" charset="0"/>
-              </a:rPr>
-              <a:t> </a:t>
-            </a:r>
-            <a:r>
-              <a:rPr lang="en-US" sz="3114" b="1" dirty="0" err="1">
-                <a:latin typeface="Helvetica" charset="0"/>
-                <a:cs typeface="Helvetica" charset="0"/>
-              </a:rPr>
-              <a:t>dolore</a:t>
-            </a:r>
-            <a:r>
-              <a:rPr lang="en-US" sz="3114" b="1" dirty="0">
-                <a:latin typeface="Helvetica" charset="0"/>
-                <a:cs typeface="Helvetica" charset="0"/>
-              </a:rPr>
-              <a:t> </a:t>
-            </a:r>
-            <a:r>
-              <a:rPr lang="en-US" sz="3114" b="1" dirty="0" err="1">
-                <a:latin typeface="Helvetica" charset="0"/>
-                <a:cs typeface="Helvetica" charset="0"/>
-              </a:rPr>
-              <a:t>eu</a:t>
-            </a:r>
-            <a:r>
-              <a:rPr lang="en-US" sz="3114" b="1" dirty="0"/>
-              <a:t>. </a:t>
-            </a:r>
-          </a:p>
-        </p:txBody>
-      </p:sp>
       <p:pic>
         <p:nvPicPr>
           <p:cNvPr id="5" name="Picture 4">
@@ -7101,47 +6006,6 @@
       </p:pic>
       <p:pic>
         <p:nvPicPr>
-          <p:cNvPr id="122" name="Picture 121">
-            <a:extLst>
-              <a:ext uri="{FF2B5EF4-FFF2-40B4-BE49-F238E27FC236}">
-                <a16:creationId xmlns:a16="http://schemas.microsoft.com/office/drawing/2014/main" id="{ED4BCBC6-4D39-43D7-85FF-A0B9EFA5AEDE}"/>
-              </a:ext>
-            </a:extLst>
-          </p:cNvPr>
-          <p:cNvPicPr>
-            <a:picLocks noChangeAspect="1"/>
-          </p:cNvPicPr>
-          <p:nvPr/>
-        </p:nvPicPr>
-        <p:blipFill>
-          <a:blip r:embed="rId6">
-            <a:extLst>
-              <a:ext uri="{28A0092B-C50C-407E-A947-70E740481C1C}">
-                <a14:useLocalDpi xmlns:a14="http://schemas.microsoft.com/office/drawing/2010/main" val="0"/>
-              </a:ext>
-            </a:extLst>
-          </a:blip>
-          <a:srcRect/>
-          <a:stretch>
-            <a:fillRect/>
-          </a:stretch>
-        </p:blipFill>
-        <p:spPr bwMode="auto">
-          <a:xfrm>
-            <a:off x="5515961" y="14397762"/>
-            <a:ext cx="4860000" cy="3645000"/>
-          </a:xfrm>
-          <a:prstGeom prst="rect">
-            <a:avLst/>
-          </a:prstGeom>
-          <a:noFill/>
-          <a:ln>
-            <a:noFill/>
-          </a:ln>
-        </p:spPr>
-      </p:pic>
-      <p:pic>
-        <p:nvPicPr>
           <p:cNvPr id="9" name="Picture 8">
             <a:extLst>
               <a:ext uri="{FF2B5EF4-FFF2-40B4-BE49-F238E27FC236}">
@@ -7155,7 +6019,7 @@
           <p:nvPr/>
         </p:nvPicPr>
         <p:blipFill>
-          <a:blip r:embed="rId7"/>
+          <a:blip r:embed="rId6"/>
           <a:stretch>
             <a:fillRect/>
           </a:stretch>
@@ -7168,47 +6032,6 @@
           <a:prstGeom prst="rect">
             <a:avLst/>
           </a:prstGeom>
-        </p:spPr>
-      </p:pic>
-      <p:pic>
-        <p:nvPicPr>
-          <p:cNvPr id="123" name="Picture 122">
-            <a:extLst>
-              <a:ext uri="{FF2B5EF4-FFF2-40B4-BE49-F238E27FC236}">
-                <a16:creationId xmlns:a16="http://schemas.microsoft.com/office/drawing/2014/main" id="{F7C7B99D-6E67-439D-AE18-FB08D20DF7C7}"/>
-              </a:ext>
-            </a:extLst>
-          </p:cNvPr>
-          <p:cNvPicPr>
-            <a:picLocks noChangeAspect="1"/>
-          </p:cNvPicPr>
-          <p:nvPr/>
-        </p:nvPicPr>
-        <p:blipFill>
-          <a:blip r:embed="rId8">
-            <a:extLst>
-              <a:ext uri="{28A0092B-C50C-407E-A947-70E740481C1C}">
-                <a14:useLocalDpi xmlns:a14="http://schemas.microsoft.com/office/drawing/2010/main" val="0"/>
-              </a:ext>
-            </a:extLst>
-          </a:blip>
-          <a:srcRect/>
-          <a:stretch>
-            <a:fillRect/>
-          </a:stretch>
-        </p:blipFill>
-        <p:spPr bwMode="auto">
-          <a:xfrm>
-            <a:off x="5467882" y="9534191"/>
-            <a:ext cx="4860000" cy="3638769"/>
-          </a:xfrm>
-          <a:prstGeom prst="rect">
-            <a:avLst/>
-          </a:prstGeom>
-          <a:noFill/>
-          <a:ln>
-            <a:noFill/>
-          </a:ln>
         </p:spPr>
       </p:pic>
       <mc:AlternateContent xmlns:mc="http://schemas.openxmlformats.org/markup-compatibility/2006">
@@ -7230,7 +6053,7 @@
             <p:spPr bwMode="auto">
               <a:xfrm>
                 <a:off x="889686" y="20211021"/>
-                <a:ext cx="9341708" cy="8554842"/>
+                <a:ext cx="9341708" cy="7944932"/>
               </a:xfrm>
               <a:prstGeom prst="rect">
                 <a:avLst/>
@@ -7396,7 +6219,7 @@
                     <a:latin typeface="Helvetica" charset="0"/>
                     <a:cs typeface="Helvetica" charset="0"/>
                   </a:rPr>
-                  <a:t>Using the fisher information as defined in [1]</a:t>
+                  <a:t>Using the fisher information as defined in [2]</a:t>
                 </a:r>
               </a:p>
               <a:p>
@@ -7412,41 +6235,55 @@
                     </m:oMathParaPr>
                     <m:oMath xmlns:m="http://schemas.openxmlformats.org/officeDocument/2006/math">
                       <m:r>
-                        <a:rPr lang="en-US" sz="3110" i="1"/>
+                        <a:rPr lang="en-US" sz="3110" i="1">
+                          <a:latin typeface="Cambria Math" panose="02040503050406030204" pitchFamily="18" charset="0"/>
+                        </a:rPr>
                         <m:t>𝐼</m:t>
                       </m:r>
                       <m:d>
                         <m:dPr>
                           <m:ctrlPr>
-                            <a:rPr lang="en-US" sz="3110" i="1"/>
+                            <a:rPr lang="en-US" sz="3110" i="1">
+                              <a:latin typeface="Cambria Math" panose="02040503050406030204" pitchFamily="18" charset="0"/>
+                            </a:rPr>
                           </m:ctrlPr>
                         </m:dPr>
                         <m:e>
                           <m:r>
-                            <a:rPr lang="en-US" sz="3110" i="1"/>
+                            <a:rPr lang="en-US" sz="3110" i="1">
+                              <a:latin typeface="Cambria Math" panose="02040503050406030204" pitchFamily="18" charset="0"/>
+                            </a:rPr>
                             <m:t>𝜃</m:t>
                           </m:r>
                         </m:e>
                       </m:d>
                       <m:r>
-                        <a:rPr lang="en-US" sz="3110" i="1"/>
+                        <a:rPr lang="en-US" sz="3110" i="1">
+                          <a:latin typeface="Cambria Math" panose="02040503050406030204" pitchFamily="18" charset="0"/>
+                        </a:rPr>
                         <m:t>=4</m:t>
                       </m:r>
                       <m:nary>
                         <m:naryPr>
                           <m:ctrlPr>
-                            <a:rPr lang="en-US" sz="3110" i="1"/>
+                            <a:rPr lang="en-US" sz="3110" i="1">
+                              <a:latin typeface="Cambria Math" panose="02040503050406030204" pitchFamily="18" charset="0"/>
+                            </a:rPr>
                           </m:ctrlPr>
                         </m:naryPr>
                         <m:sub>
                           <m:r>
-                            <a:rPr lang="en-US" sz="3110" i="1"/>
+                            <a:rPr lang="en-US" sz="3110" i="1">
+                              <a:latin typeface="Cambria Math" panose="02040503050406030204" pitchFamily="18" charset="0"/>
+                            </a:rPr>
                             <m:t>−∞</m:t>
                           </m:r>
                         </m:sub>
                         <m:sup>
                           <m:r>
-                            <a:rPr lang="en-US" sz="3110" i="1"/>
+                            <a:rPr lang="en-US" sz="3110" i="1">
+                              <a:latin typeface="Cambria Math" panose="02040503050406030204" pitchFamily="18" charset="0"/>
+                            </a:rPr>
                             <m:t>+∞</m:t>
                           </m:r>
                         </m:sup>
@@ -7454,56 +6291,74 @@
                           <m:sSup>
                             <m:sSupPr>
                               <m:ctrlPr>
-                                <a:rPr lang="en-US" sz="3110" i="1"/>
+                                <a:rPr lang="en-US" sz="3110" i="1">
+                                  <a:latin typeface="Cambria Math" panose="02040503050406030204" pitchFamily="18" charset="0"/>
+                                </a:rPr>
                               </m:ctrlPr>
                             </m:sSupPr>
                             <m:e>
                               <m:d>
                                 <m:dPr>
                                   <m:ctrlPr>
-                                    <a:rPr lang="en-US" sz="3110" i="1"/>
+                                    <a:rPr lang="en-US" sz="3110" i="1">
+                                      <a:latin typeface="Cambria Math" panose="02040503050406030204" pitchFamily="18" charset="0"/>
+                                    </a:rPr>
                                   </m:ctrlPr>
                                 </m:dPr>
                                 <m:e>
                                   <m:f>
                                     <m:fPr>
                                       <m:ctrlPr>
-                                        <a:rPr lang="en-US" sz="3110" i="1"/>
+                                        <a:rPr lang="en-US" sz="3110" i="1">
+                                          <a:latin typeface="Cambria Math" panose="02040503050406030204" pitchFamily="18" charset="0"/>
+                                        </a:rPr>
                                       </m:ctrlPr>
                                     </m:fPr>
                                     <m:num>
                                       <m:r>
-                                        <a:rPr lang="en-US" sz="3110" i="1"/>
+                                        <a:rPr lang="en-US" sz="3110" i="1">
+                                          <a:latin typeface="Cambria Math" panose="02040503050406030204" pitchFamily="18" charset="0"/>
+                                        </a:rPr>
                                         <m:t>𝜕</m:t>
                                       </m:r>
                                       <m:rad>
                                         <m:radPr>
                                           <m:degHide m:val="on"/>
                                           <m:ctrlPr>
-                                            <a:rPr lang="en-US" sz="3110" i="1"/>
+                                            <a:rPr lang="en-US" sz="3110" i="1">
+                                              <a:latin typeface="Cambria Math" panose="02040503050406030204" pitchFamily="18" charset="0"/>
+                                            </a:rPr>
                                           </m:ctrlPr>
                                         </m:radPr>
                                         <m:deg/>
                                         <m:e>
                                           <m:r>
-                                            <a:rPr lang="en-US" sz="3110" i="1"/>
+                                            <a:rPr lang="en-US" sz="3110" i="1">
+                                              <a:latin typeface="Cambria Math" panose="02040503050406030204" pitchFamily="18" charset="0"/>
+                                            </a:rPr>
                                             <m:t>𝑝</m:t>
                                           </m:r>
                                           <m:d>
                                             <m:dPr>
                                               <m:ctrlPr>
-                                                <a:rPr lang="en-US" sz="3110" i="1"/>
+                                                <a:rPr lang="en-US" sz="3110" i="1">
+                                                  <a:latin typeface="Cambria Math" panose="02040503050406030204" pitchFamily="18" charset="0"/>
+                                                </a:rPr>
                                               </m:ctrlPr>
                                             </m:dPr>
                                             <m:e>
                                               <m:r>
-                                                <a:rPr lang="en-US" sz="3110" i="1"/>
+                                                <a:rPr lang="en-US" sz="3110" i="1">
+                                                  <a:latin typeface="Cambria Math" panose="02040503050406030204" pitchFamily="18" charset="0"/>
+                                                </a:rPr>
                                                 <m:t>𝑥</m:t>
                                               </m:r>
                                             </m:e>
                                             <m:e>
                                               <m:r>
-                                                <a:rPr lang="en-US" sz="3110" i="1"/>
+                                                <a:rPr lang="en-US" sz="3110" i="1">
+                                                  <a:latin typeface="Cambria Math" panose="02040503050406030204" pitchFamily="18" charset="0"/>
+                                                </a:rPr>
                                                 <m:t>𝜃</m:t>
                                               </m:r>
                                             </m:e>
@@ -7513,7 +6368,9 @@
                                     </m:num>
                                     <m:den>
                                       <m:r>
-                                        <a:rPr lang="en-US" sz="3110" i="1"/>
+                                        <a:rPr lang="en-US" sz="3110" i="1">
+                                          <a:latin typeface="Cambria Math" panose="02040503050406030204" pitchFamily="18" charset="0"/>
+                                        </a:rPr>
                                         <m:t>𝜕𝜃</m:t>
                                       </m:r>
                                     </m:den>
@@ -7523,19 +6380,25 @@
                             </m:e>
                             <m:sup>
                               <m:r>
-                                <a:rPr lang="en-US" sz="3110" i="1"/>
+                                <a:rPr lang="en-US" sz="3110" i="1">
+                                  <a:latin typeface="Cambria Math" panose="02040503050406030204" pitchFamily="18" charset="0"/>
+                                </a:rPr>
                                 <m:t>2</m:t>
                               </m:r>
                             </m:sup>
                           </m:sSup>
                           <m:r>
-                            <a:rPr lang="en-US" sz="3110" i="1"/>
+                            <a:rPr lang="en-US" sz="3110" i="1">
+                              <a:latin typeface="Cambria Math" panose="02040503050406030204" pitchFamily="18" charset="0"/>
+                            </a:rPr>
                             <m:t>𝑑𝑥</m:t>
                           </m:r>
                         </m:e>
                       </m:nary>
                       <m:r>
-                        <a:rPr lang="en-US" sz="3110" i="1"/>
+                        <a:rPr lang="en-US" sz="3110" i="1">
+                          <a:latin typeface="Cambria Math" panose="02040503050406030204" pitchFamily="18" charset="0"/>
+                        </a:rPr>
                         <m:t> </m:t>
                       </m:r>
                     </m:oMath>
@@ -7633,35 +6496,47 @@
                       <m:sSub>
                         <m:sSubPr>
                           <m:ctrlPr>
-                            <a:rPr lang="en-US" sz="3110" i="1"/>
+                            <a:rPr lang="en-US" sz="3110" i="1">
+                              <a:latin typeface="Cambria Math" panose="02040503050406030204" pitchFamily="18" charset="0"/>
+                            </a:rPr>
                           </m:ctrlPr>
                         </m:sSubPr>
                         <m:e>
                           <m:r>
-                            <a:rPr lang="en-US" sz="3110" i="1"/>
+                            <a:rPr lang="en-US" sz="3110" i="1">
+                              <a:latin typeface="Cambria Math" panose="02040503050406030204" pitchFamily="18" charset="0"/>
+                            </a:rPr>
                             <m:t>𝜎</m:t>
                           </m:r>
                         </m:e>
                         <m:sub>
                           <m:r>
-                            <a:rPr lang="en-US" sz="3110" i="1"/>
+                            <a:rPr lang="en-US" sz="3110" i="1">
+                              <a:latin typeface="Cambria Math" panose="02040503050406030204" pitchFamily="18" charset="0"/>
+                            </a:rPr>
                             <m:t>𝐶𝑅</m:t>
                           </m:r>
                         </m:sub>
                       </m:sSub>
                       <m:r>
-                        <a:rPr lang="en-US" sz="3110" i="1"/>
+                        <a:rPr lang="en-US" sz="3110" i="1">
+                          <a:latin typeface="Cambria Math" panose="02040503050406030204" pitchFamily="18" charset="0"/>
+                        </a:rPr>
                         <m:t>≥</m:t>
                       </m:r>
                       <m:f>
                         <m:fPr>
                           <m:ctrlPr>
-                            <a:rPr lang="en-US" sz="3110" i="1"/>
+                            <a:rPr lang="en-US" sz="3110" i="1">
+                              <a:latin typeface="Cambria Math" panose="02040503050406030204" pitchFamily="18" charset="0"/>
+                            </a:rPr>
                           </m:ctrlPr>
                         </m:fPr>
                         <m:num>
                           <m:r>
-                            <a:rPr lang="en-US" sz="3110" i="1"/>
+                            <a:rPr lang="en-US" sz="3110" i="1">
+                              <a:latin typeface="Cambria Math" panose="02040503050406030204" pitchFamily="18" charset="0"/>
+                            </a:rPr>
                             <m:t>1</m:t>
                           </m:r>
                         </m:num>
@@ -7670,47 +6545,63 @@
                             <m:radPr>
                               <m:degHide m:val="on"/>
                               <m:ctrlPr>
-                                <a:rPr lang="en-US" sz="3110" i="1"/>
+                                <a:rPr lang="en-US" sz="3110" i="1">
+                                  <a:latin typeface="Cambria Math" panose="02040503050406030204" pitchFamily="18" charset="0"/>
+                                </a:rPr>
                               </m:ctrlPr>
                             </m:radPr>
                             <m:deg/>
                             <m:e>
                               <m:r>
-                                <a:rPr lang="en-US" sz="3110" i="1"/>
+                                <a:rPr lang="en-US" sz="3110" i="1">
+                                  <a:latin typeface="Cambria Math" panose="02040503050406030204" pitchFamily="18" charset="0"/>
+                                </a:rPr>
                                 <m:t>𝐼</m:t>
                               </m:r>
                               <m:d>
                                 <m:dPr>
                                   <m:ctrlPr>
-                                    <a:rPr lang="en-US" sz="3110" i="1"/>
+                                    <a:rPr lang="en-US" sz="3110" i="1">
+                                      <a:latin typeface="Cambria Math" panose="02040503050406030204" pitchFamily="18" charset="0"/>
+                                    </a:rPr>
                                   </m:ctrlPr>
                                 </m:dPr>
                                 <m:e>
                                   <m:r>
-                                    <a:rPr lang="en-US" sz="3110" i="1"/>
+                                    <a:rPr lang="en-US" sz="3110" i="1">
+                                      <a:latin typeface="Cambria Math" panose="02040503050406030204" pitchFamily="18" charset="0"/>
+                                    </a:rPr>
                                     <m:t>𝜃</m:t>
                                   </m:r>
                                 </m:e>
                               </m:d>
                               <m:r>
-                                <a:rPr lang="en-US" sz="3110" i="1"/>
+                                <a:rPr lang="en-US" sz="3110" i="1">
+                                  <a:latin typeface="Cambria Math" panose="02040503050406030204" pitchFamily="18" charset="0"/>
+                                </a:rPr>
                                 <m:t> </m:t>
                               </m:r>
                               <m:sSub>
                                 <m:sSubPr>
                                   <m:ctrlPr>
-                                    <a:rPr lang="en-US" sz="3110" i="1"/>
+                                    <a:rPr lang="en-US" sz="3110" i="1">
+                                      <a:latin typeface="Cambria Math" panose="02040503050406030204" pitchFamily="18" charset="0"/>
+                                    </a:rPr>
                                   </m:ctrlPr>
                                 </m:sSubPr>
                                 <m:e>
                                   <m:r>
-                                    <a:rPr lang="en-US" sz="3110" i="1"/>
+                                    <a:rPr lang="en-US" sz="3110" i="1">
+                                      <a:latin typeface="Cambria Math" panose="02040503050406030204" pitchFamily="18" charset="0"/>
+                                    </a:rPr>
                                     <m:t>𝑁</m:t>
                                   </m:r>
                                 </m:e>
                                 <m:sub>
                                   <m:r>
-                                    <a:rPr lang="en-US" sz="3110" i="1"/>
+                                    <a:rPr lang="en-US" sz="3110" i="1">
+                                      <a:latin typeface="Cambria Math" panose="02040503050406030204" pitchFamily="18" charset="0"/>
+                                    </a:rPr>
                                     <m:t>𝑝h𝑜𝑡𝑜𝑛</m:t>
                                   </m:r>
                                 </m:sub>
@@ -7745,13 +6636,13 @@
             <p:spPr bwMode="auto">
               <a:xfrm>
                 <a:off x="889686" y="20211021"/>
-                <a:ext cx="9341708" cy="8554842"/>
+                <a:ext cx="9341708" cy="7944932"/>
               </a:xfrm>
               <a:prstGeom prst="rect">
                 <a:avLst/>
               </a:prstGeom>
               <a:blipFill>
-                <a:blip r:embed="rId9"/>
+                <a:blip r:embed="rId7"/>
                 <a:stretch>
                   <a:fillRect l="-1632" r="-1044"/>
                 </a:stretch>
@@ -7761,14 +6652,14 @@
               </a:ln>
               <a:extLst>
                 <a:ext uri="{909E8E84-426E-40dd-AFC4-6F175D3DCCD1}">
-                  <a14:hiddenFill xmlns:a14="http://schemas.microsoft.com/office/drawing/2010/main" xmlns="">
+                  <a14:hiddenFill xmlns="" xmlns:a14="http://schemas.microsoft.com/office/drawing/2010/main">
                     <a:solidFill>
                       <a:srgbClr val="FFFFFF"/>
                     </a:solidFill>
                   </a14:hiddenFill>
                 </a:ext>
                 <a:ext uri="{91240B29-F687-4f45-9708-019B960494DF}">
-                  <a14:hiddenLine xmlns:a14="http://schemas.microsoft.com/office/drawing/2010/main" xmlns="" w="9525">
+                  <a14:hiddenLine xmlns="" xmlns:a14="http://schemas.microsoft.com/office/drawing/2010/main" w="9525">
                     <a:solidFill>
                       <a:srgbClr val="000000"/>
                     </a:solidFill>
@@ -7794,52 +6685,8 @@
           </p:sp>
         </mc:Fallback>
       </mc:AlternateContent>
-      <p:pic>
-        <p:nvPicPr>
-          <p:cNvPr id="125" name="Picture 124">
-            <a:extLst>
-              <a:ext uri="{FF2B5EF4-FFF2-40B4-BE49-F238E27FC236}">
-                <a16:creationId xmlns:a16="http://schemas.microsoft.com/office/drawing/2014/main" id="{A40B0061-5086-4F94-A52E-5A251CBC9CB2}"/>
-              </a:ext>
-            </a:extLst>
-          </p:cNvPr>
-          <p:cNvPicPr>
-            <a:picLocks noChangeAspect="1"/>
-          </p:cNvPicPr>
-          <p:nvPr/>
-        </p:nvPicPr>
-        <p:blipFill rotWithShape="1">
-          <a:blip r:embed="rId10">
-            <a:extLst>
-              <a:ext uri="{28A0092B-C50C-407E-A947-70E740481C1C}">
-                <a14:useLocalDpi xmlns:a14="http://schemas.microsoft.com/office/drawing/2010/main" val="0"/>
-              </a:ext>
-            </a:extLst>
-          </a:blip>
-          <a:srcRect l="28847" t="3422" r="26795" b="4737"/>
-          <a:stretch/>
-        </p:blipFill>
-        <p:spPr bwMode="auto">
-          <a:xfrm>
-            <a:off x="11786995" y="8413115"/>
-            <a:ext cx="4445107" cy="4483824"/>
-          </a:xfrm>
-          <a:prstGeom prst="rect">
-            <a:avLst/>
-          </a:prstGeom>
-          <a:noFill/>
-          <a:ln>
-            <a:noFill/>
-          </a:ln>
-          <a:extLst>
-            <a:ext uri="{53640926-AAD7-44D8-BBD7-CCE9431645EC}">
-              <a14:shadowObscured xmlns:a14="http://schemas.microsoft.com/office/drawing/2010/main"/>
-            </a:ext>
-          </a:extLst>
-        </p:spPr>
-      </p:pic>
-      <mc:AlternateContent xmlns:mc="http://schemas.openxmlformats.org/markup-compatibility/2006">
-        <mc:Choice xmlns:a14="http://schemas.microsoft.com/office/drawing/2010/main" Requires="a14">
+      <mc:AlternateContent xmlns:mc="http://schemas.openxmlformats.org/markup-compatibility/2006" xmlns:a14="http://schemas.microsoft.com/office/drawing/2010/main">
+        <mc:Choice Requires="a14">
           <p:sp>
             <p:nvSpPr>
               <p:cNvPr id="126" name="TextBox 6">
@@ -8139,7 +6986,7 @@
             </p:txBody>
           </p:sp>
         </mc:Choice>
-        <mc:Fallback>
+        <mc:Fallback xmlns="">
           <p:sp>
             <p:nvSpPr>
               <p:cNvPr id="126" name="TextBox 6">
@@ -8228,14 +7075,14 @@
           </a:ln>
           <a:extLst>
             <a:ext uri="{909E8E84-426E-40dd-AFC4-6F175D3DCCD1}">
-              <a14:hiddenFill xmlns:a14="http://schemas.microsoft.com/office/drawing/2010/main" xmlns="">
+              <a14:hiddenFill xmlns="" xmlns:a14="http://schemas.microsoft.com/office/drawing/2010/main">
                 <a:solidFill>
                   <a:srgbClr val="FFFFFF"/>
                 </a:solidFill>
               </a14:hiddenFill>
             </a:ext>
             <a:ext uri="{91240B29-F687-4f45-9708-019B960494DF}">
-              <a14:hiddenLine xmlns:a14="http://schemas.microsoft.com/office/drawing/2010/main" xmlns="" w="9525">
+              <a14:hiddenLine xmlns="" xmlns:a14="http://schemas.microsoft.com/office/drawing/2010/main" w="9525">
                 <a:solidFill>
                   <a:srgbClr val="000000"/>
                 </a:solidFill>
@@ -8507,14 +7354,14 @@
           </a:ln>
           <a:extLst>
             <a:ext uri="{909E8E84-426E-40dd-AFC4-6F175D3DCCD1}">
-              <a14:hiddenFill xmlns:a14="http://schemas.microsoft.com/office/drawing/2010/main" xmlns="">
+              <a14:hiddenFill xmlns="" xmlns:a14="http://schemas.microsoft.com/office/drawing/2010/main">
                 <a:solidFill>
                   <a:srgbClr val="FFFFFF"/>
                 </a:solidFill>
               </a14:hiddenFill>
             </a:ext>
             <a:ext uri="{91240B29-F687-4f45-9708-019B960494DF}">
-              <a14:hiddenLine xmlns:a14="http://schemas.microsoft.com/office/drawing/2010/main" xmlns="" w="9525">
+              <a14:hiddenLine xmlns="" xmlns:a14="http://schemas.microsoft.com/office/drawing/2010/main" w="9525">
                 <a:solidFill>
                   <a:srgbClr val="000000"/>
                 </a:solidFill>
@@ -8682,14 +7529,14 @@
           </a:ln>
           <a:extLst>
             <a:ext uri="{909E8E84-426E-40dd-AFC4-6F175D3DCCD1}">
-              <a14:hiddenFill xmlns:a14="http://schemas.microsoft.com/office/drawing/2010/main" xmlns="">
+              <a14:hiddenFill xmlns="" xmlns:a14="http://schemas.microsoft.com/office/drawing/2010/main">
                 <a:solidFill>
                   <a:srgbClr val="FFFFFF"/>
                 </a:solidFill>
               </a14:hiddenFill>
             </a:ext>
             <a:ext uri="{91240B29-F687-4f45-9708-019B960494DF}">
-              <a14:hiddenLine xmlns:a14="http://schemas.microsoft.com/office/drawing/2010/main" xmlns="" w="9525">
+              <a14:hiddenLine xmlns="" xmlns:a14="http://schemas.microsoft.com/office/drawing/2010/main" w="9525">
                 <a:solidFill>
                   <a:srgbClr val="000000"/>
                 </a:solidFill>
@@ -8829,50 +7676,6 @@
           </a:p>
         </p:txBody>
       </p:sp>
-      <p:pic>
-        <p:nvPicPr>
-          <p:cNvPr id="129" name="Picture 128">
-            <a:extLst>
-              <a:ext uri="{FF2B5EF4-FFF2-40B4-BE49-F238E27FC236}">
-                <a16:creationId xmlns:a16="http://schemas.microsoft.com/office/drawing/2014/main" id="{5985D7DD-3C4D-4F6F-9EB4-69EBF0B78C1A}"/>
-              </a:ext>
-            </a:extLst>
-          </p:cNvPr>
-          <p:cNvPicPr>
-            <a:picLocks noChangeAspect="1"/>
-          </p:cNvPicPr>
-          <p:nvPr/>
-        </p:nvPicPr>
-        <p:blipFill rotWithShape="1">
-          <a:blip r:embed="rId12">
-            <a:extLst>
-              <a:ext uri="{28A0092B-C50C-407E-A947-70E740481C1C}">
-                <a14:useLocalDpi xmlns:a14="http://schemas.microsoft.com/office/drawing/2010/main" val="0"/>
-              </a:ext>
-            </a:extLst>
-          </a:blip>
-          <a:srcRect l="28589" t="4475" r="26667" b="5000"/>
-          <a:stretch/>
-        </p:blipFill>
-        <p:spPr bwMode="auto">
-          <a:xfrm>
-            <a:off x="22590518" y="9216762"/>
-            <a:ext cx="4860000" cy="4790342"/>
-          </a:xfrm>
-          <a:prstGeom prst="rect">
-            <a:avLst/>
-          </a:prstGeom>
-          <a:noFill/>
-          <a:ln>
-            <a:noFill/>
-          </a:ln>
-          <a:extLst>
-            <a:ext uri="{53640926-AAD7-44D8-BBD7-CCE9431645EC}">
-              <a14:shadowObscured xmlns:a14="http://schemas.microsoft.com/office/drawing/2010/main"/>
-            </a:ext>
-          </a:extLst>
-        </p:spPr>
-      </p:pic>
       <p:sp>
         <p:nvSpPr>
           <p:cNvPr id="130" name="TextBox 6">
@@ -8890,7 +7693,7 @@
         <p:spPr bwMode="auto">
           <a:xfrm>
             <a:off x="27579733" y="9024712"/>
-            <a:ext cx="4860000" cy="7192097"/>
+            <a:ext cx="4860000" cy="5754396"/>
           </a:xfrm>
           <a:prstGeom prst="rect">
             <a:avLst/>
@@ -8901,14 +7704,14 @@
           </a:ln>
           <a:extLst>
             <a:ext uri="{909E8E84-426E-40dd-AFC4-6F175D3DCCD1}">
-              <a14:hiddenFill xmlns:a14="http://schemas.microsoft.com/office/drawing/2010/main" xmlns="">
+              <a14:hiddenFill xmlns="" xmlns:a14="http://schemas.microsoft.com/office/drawing/2010/main">
                 <a:solidFill>
                   <a:srgbClr val="FFFFFF"/>
                 </a:solidFill>
               </a14:hiddenFill>
             </a:ext>
             <a:ext uri="{91240B29-F687-4f45-9708-019B960494DF}">
-              <a14:hiddenLine xmlns:a14="http://schemas.microsoft.com/office/drawing/2010/main" xmlns="" w="9525">
+              <a14:hiddenLine xmlns="" xmlns:a14="http://schemas.microsoft.com/office/drawing/2010/main" w="9525">
                 <a:solidFill>
                   <a:srgbClr val="000000"/>
                 </a:solidFill>
@@ -9060,7 +7863,7 @@
                 <a:latin typeface="Helvetica" charset="0"/>
                 <a:cs typeface="Helvetica" charset="0"/>
               </a:rPr>
-              <a:t>Sampling play a small role.</a:t>
+              <a:t>Less influenced.</a:t>
             </a:r>
           </a:p>
           <a:p>
@@ -9092,7 +7895,7 @@
                 <a:latin typeface="Helvetica" charset="0"/>
                 <a:cs typeface="Helvetica" charset="0"/>
               </a:rPr>
-              <a:t>Huge impact</a:t>
+              <a:t>higher impact</a:t>
             </a:r>
           </a:p>
           <a:p>
@@ -9110,17 +7913,6 @@
               </a:rPr>
               <a:t>From 3 point per signal width on average more sensitive</a:t>
             </a:r>
-          </a:p>
-          <a:p>
-            <a:pPr algn="l" eaLnBrk="1" hangingPunct="1">
-              <a:lnSpc>
-                <a:spcPct val="150000"/>
-              </a:lnSpc>
-            </a:pPr>
-            <a:endParaRPr lang="en-US" sz="3114" dirty="0">
-              <a:latin typeface="Helvetica" charset="0"/>
-              <a:cs typeface="Helvetica" charset="0"/>
-            </a:endParaRPr>
           </a:p>
         </p:txBody>
       </p:sp>
@@ -9152,14 +7944,14 @@
           </a:ln>
           <a:extLst>
             <a:ext uri="{909E8E84-426E-40dd-AFC4-6F175D3DCCD1}">
-              <a14:hiddenFill xmlns:a14="http://schemas.microsoft.com/office/drawing/2010/main" xmlns="">
+              <a14:hiddenFill xmlns="" xmlns:a14="http://schemas.microsoft.com/office/drawing/2010/main">
                 <a:solidFill>
                   <a:srgbClr val="FFFFFF"/>
                 </a:solidFill>
               </a14:hiddenFill>
             </a:ext>
             <a:ext uri="{91240B29-F687-4f45-9708-019B960494DF}">
-              <a14:hiddenLine xmlns:a14="http://schemas.microsoft.com/office/drawing/2010/main" xmlns="" w="9525">
+              <a14:hiddenLine xmlns="" xmlns:a14="http://schemas.microsoft.com/office/drawing/2010/main" w="9525">
                 <a:solidFill>
                   <a:srgbClr val="000000"/>
                 </a:solidFill>
@@ -9313,7 +8105,7 @@
           <p:nvPr/>
         </p:nvPicPr>
         <p:blipFill>
-          <a:blip r:embed="rId13"/>
+          <a:blip r:embed="rId12"/>
           <a:stretch>
             <a:fillRect/>
           </a:stretch>
@@ -9322,6 +8114,122 @@
           <a:xfrm>
             <a:off x="13491280" y="15628140"/>
             <a:ext cx="5934741" cy="2972660"/>
+          </a:xfrm>
+          <a:prstGeom prst="rect">
+            <a:avLst/>
+          </a:prstGeom>
+        </p:spPr>
+      </p:pic>
+      <p:pic>
+        <p:nvPicPr>
+          <p:cNvPr id="10" name="Picture 9">
+            <a:extLst>
+              <a:ext uri="{FF2B5EF4-FFF2-40B4-BE49-F238E27FC236}">
+                <a16:creationId xmlns:a16="http://schemas.microsoft.com/office/drawing/2014/main" id="{BFFEC16C-3053-4DE7-809E-F275A27FC82C}"/>
+              </a:ext>
+            </a:extLst>
+          </p:cNvPr>
+          <p:cNvPicPr>
+            <a:picLocks noChangeAspect="1"/>
+          </p:cNvPicPr>
+          <p:nvPr/>
+        </p:nvPicPr>
+        <p:blipFill rotWithShape="1">
+          <a:blip r:embed="rId13"/>
+          <a:srcRect l="27497" t="3147" r="27497" b="3082"/>
+          <a:stretch/>
+        </p:blipFill>
+        <p:spPr>
+          <a:xfrm>
+            <a:off x="5535717" y="8510157"/>
+            <a:ext cx="4860000" cy="4936371"/>
+          </a:xfrm>
+          <a:prstGeom prst="rect">
+            <a:avLst/>
+          </a:prstGeom>
+        </p:spPr>
+      </p:pic>
+      <p:pic>
+        <p:nvPicPr>
+          <p:cNvPr id="15" name="Picture 14">
+            <a:extLst>
+              <a:ext uri="{FF2B5EF4-FFF2-40B4-BE49-F238E27FC236}">
+                <a16:creationId xmlns:a16="http://schemas.microsoft.com/office/drawing/2014/main" id="{B0E88A55-0634-4002-8A03-D23870A79A0E}"/>
+              </a:ext>
+            </a:extLst>
+          </p:cNvPr>
+          <p:cNvPicPr>
+            <a:picLocks noChangeAspect="1"/>
+          </p:cNvPicPr>
+          <p:nvPr/>
+        </p:nvPicPr>
+        <p:blipFill rotWithShape="1">
+          <a:blip r:embed="rId14"/>
+          <a:srcRect l="27497" t="1872" r="27497" b="3608"/>
+          <a:stretch/>
+        </p:blipFill>
+        <p:spPr>
+          <a:xfrm>
+            <a:off x="5535717" y="13541579"/>
+            <a:ext cx="4860000" cy="4975913"/>
+          </a:xfrm>
+          <a:prstGeom prst="rect">
+            <a:avLst/>
+          </a:prstGeom>
+        </p:spPr>
+      </p:pic>
+      <p:pic>
+        <p:nvPicPr>
+          <p:cNvPr id="17" name="Picture 16">
+            <a:extLst>
+              <a:ext uri="{FF2B5EF4-FFF2-40B4-BE49-F238E27FC236}">
+                <a16:creationId xmlns:a16="http://schemas.microsoft.com/office/drawing/2014/main" id="{4AB3F67A-689F-4B31-8137-45D85F375F4B}"/>
+              </a:ext>
+            </a:extLst>
+          </p:cNvPr>
+          <p:cNvPicPr>
+            <a:picLocks noChangeAspect="1"/>
+          </p:cNvPicPr>
+          <p:nvPr/>
+        </p:nvPicPr>
+        <p:blipFill rotWithShape="1">
+          <a:blip r:embed="rId15"/>
+          <a:srcRect l="27497" t="1766" r="27497" b="3820"/>
+          <a:stretch/>
+        </p:blipFill>
+        <p:spPr>
+          <a:xfrm>
+            <a:off x="11618522" y="8275254"/>
+            <a:ext cx="4860000" cy="4970219"/>
+          </a:xfrm>
+          <a:prstGeom prst="rect">
+            <a:avLst/>
+          </a:prstGeom>
+        </p:spPr>
+      </p:pic>
+      <p:pic>
+        <p:nvPicPr>
+          <p:cNvPr id="19" name="Picture 18">
+            <a:extLst>
+              <a:ext uri="{FF2B5EF4-FFF2-40B4-BE49-F238E27FC236}">
+                <a16:creationId xmlns:a16="http://schemas.microsoft.com/office/drawing/2014/main" id="{2386EE6D-406F-4C28-A7ED-F4F578236534}"/>
+              </a:ext>
+            </a:extLst>
+          </p:cNvPr>
+          <p:cNvPicPr>
+            <a:picLocks noChangeAspect="1"/>
+          </p:cNvPicPr>
+          <p:nvPr/>
+        </p:nvPicPr>
+        <p:blipFill rotWithShape="1">
+          <a:blip r:embed="rId16"/>
+          <a:srcRect l="27497" r="27497" b="1949"/>
+          <a:stretch/>
+        </p:blipFill>
+        <p:spPr>
+          <a:xfrm>
+            <a:off x="22531135" y="9257215"/>
+            <a:ext cx="4860000" cy="5161729"/>
           </a:xfrm>
           <a:prstGeom prst="rect">
             <a:avLst/>
